--- a/자구발표7주차.pptx
+++ b/자구발표7주차.pptx
@@ -1,14 +1,14 @@
 
 <file path=ppt/presentation.xml><?xml version="1.0" encoding="utf-8"?>
-<p:presentation xmlns:a="http://schemas.openxmlformats.org/drawingml/2006/main" xmlns:r="http://schemas.openxmlformats.org/officeDocument/2006/relationships" xmlns:p="http://schemas.openxmlformats.org/presentationml/2006/main" saveSubsetFonts="1">
+<p:presentation xmlns:a="http://schemas.openxmlformats.org/drawingml/2006/main" xmlns:r="http://schemas.openxmlformats.org/officeDocument/2006/relationships" xmlns:p="http://schemas.openxmlformats.org/presentationml/2006/main" embedTrueTypeFonts="1" saveSubsetFonts="1">
   <p:sldMasterIdLst>
     <p:sldMasterId id="2147483648" r:id="rId1"/>
   </p:sldMasterIdLst>
   <p:notesMasterIdLst>
-    <p:notesMasterId r:id="rId15"/>
+    <p:notesMasterId r:id="rId20"/>
   </p:notesMasterIdLst>
   <p:handoutMasterIdLst>
-    <p:handoutMasterId r:id="rId16"/>
+    <p:handoutMasterId r:id="rId21"/>
   </p:handoutMasterIdLst>
   <p:sldIdLst>
     <p:sldId id="256" r:id="rId2"/>
@@ -16,17 +16,41 @@
     <p:sldId id="297" r:id="rId4"/>
     <p:sldId id="258" r:id="rId5"/>
     <p:sldId id="298" r:id="rId6"/>
-    <p:sldId id="278" r:id="rId7"/>
-    <p:sldId id="397" r:id="rId8"/>
-    <p:sldId id="384" r:id="rId9"/>
-    <p:sldId id="398" r:id="rId10"/>
-    <p:sldId id="395" r:id="rId11"/>
-    <p:sldId id="396" r:id="rId12"/>
-    <p:sldId id="385" r:id="rId13"/>
-    <p:sldId id="386" r:id="rId14"/>
+    <p:sldId id="399" r:id="rId7"/>
+    <p:sldId id="400" r:id="rId8"/>
+    <p:sldId id="401" r:id="rId9"/>
+    <p:sldId id="402" r:id="rId10"/>
+    <p:sldId id="403" r:id="rId11"/>
+    <p:sldId id="404" r:id="rId12"/>
+    <p:sldId id="397" r:id="rId13"/>
+    <p:sldId id="384" r:id="rId14"/>
+    <p:sldId id="398" r:id="rId15"/>
+    <p:sldId id="395" r:id="rId16"/>
+    <p:sldId id="396" r:id="rId17"/>
+    <p:sldId id="385" r:id="rId18"/>
+    <p:sldId id="386" r:id="rId19"/>
   </p:sldIdLst>
   <p:sldSz cx="9144000" cy="6858000" type="screen4x3"/>
   <p:notesSz cx="6858000" cy="9144000"/>
+  <p:embeddedFontLst>
+    <p:embeddedFont>
+      <p:font typeface="a아메리카노L" panose="02020600000000000000" pitchFamily="18" charset="-127"/>
+      <p:regular r:id="rId22"/>
+    </p:embeddedFont>
+    <p:embeddedFont>
+      <p:font typeface="KoPub돋움체 Bold" panose="00000800000000000000" pitchFamily="2" charset="-127"/>
+      <p:bold r:id="rId23"/>
+    </p:embeddedFont>
+    <p:embeddedFont>
+      <p:font typeface="맑은 고딕" panose="020B0503020000020004" pitchFamily="50" charset="-127"/>
+      <p:regular r:id="rId24"/>
+      <p:bold r:id="rId25"/>
+    </p:embeddedFont>
+    <p:embeddedFont>
+      <p:font typeface="서울남산체 M" panose="02020503020101020101" pitchFamily="18" charset="-127"/>
+      <p:regular r:id="rId26"/>
+    </p:embeddedFont>
+  </p:embeddedFontLst>
   <p:defaultTextStyle>
     <a:defPPr>
       <a:defRPr lang="ko-KR"/>
@@ -744,6 +768,174 @@
 </p:notes>
 </file>
 
+<file path=ppt/notesSlides/notesSlide10.xml><?xml version="1.0" encoding="utf-8"?>
+<p:notes xmlns:a="http://schemas.openxmlformats.org/drawingml/2006/main" xmlns:r="http://schemas.openxmlformats.org/officeDocument/2006/relationships" xmlns:p="http://schemas.openxmlformats.org/presentationml/2006/main">
+  <p:cSld>
+    <p:spTree>
+      <p:nvGrpSpPr>
+        <p:cNvPr id="1" name=""/>
+        <p:cNvGrpSpPr/>
+        <p:nvPr/>
+      </p:nvGrpSpPr>
+      <p:grpSpPr>
+        <a:xfrm>
+          <a:off x="0" y="0"/>
+          <a:ext cx="0" cy="0"/>
+          <a:chOff x="0" y="0"/>
+          <a:chExt cx="0" cy="0"/>
+        </a:xfrm>
+      </p:grpSpPr>
+      <p:sp>
+        <p:nvSpPr>
+          <p:cNvPr id="2" name="슬라이드 이미지 개체 틀 1"/>
+          <p:cNvSpPr>
+            <a:spLocks noGrp="1" noRot="1" noChangeAspect="1"/>
+          </p:cNvSpPr>
+          <p:nvPr>
+            <p:ph type="sldImg"/>
+          </p:nvPr>
+        </p:nvSpPr>
+        <p:spPr/>
+      </p:sp>
+      <p:sp>
+        <p:nvSpPr>
+          <p:cNvPr id="3" name="슬라이드 노트 개체 틀 2"/>
+          <p:cNvSpPr>
+            <a:spLocks noGrp="1"/>
+          </p:cNvSpPr>
+          <p:nvPr>
+            <p:ph type="body" idx="1"/>
+          </p:nvPr>
+        </p:nvSpPr>
+        <p:spPr/>
+        <p:txBody>
+          <a:bodyPr/>
+          <a:lstStyle/>
+          <a:p>
+            <a:endParaRPr lang="ko-KR" altLang="en-US" dirty="0"/>
+          </a:p>
+        </p:txBody>
+      </p:sp>
+      <p:sp>
+        <p:nvSpPr>
+          <p:cNvPr id="4" name="슬라이드 번호 개체 틀 3"/>
+          <p:cNvSpPr>
+            <a:spLocks noGrp="1"/>
+          </p:cNvSpPr>
+          <p:nvPr>
+            <p:ph type="sldNum" sz="quarter" idx="10"/>
+          </p:nvPr>
+        </p:nvSpPr>
+        <p:spPr/>
+        <p:txBody>
+          <a:bodyPr/>
+          <a:lstStyle/>
+          <a:p>
+            <a:fld id="{88379679-F6E9-4CE3-8D1A-DEC9234F3684}" type="slidenum">
+              <a:rPr lang="ko-KR" altLang="en-US" smtClean="0"/>
+              <a:t>14</a:t>
+            </a:fld>
+            <a:endParaRPr lang="ko-KR" altLang="en-US"/>
+          </a:p>
+        </p:txBody>
+      </p:sp>
+    </p:spTree>
+    <p:extLst>
+      <p:ext uri="{BB962C8B-B14F-4D97-AF65-F5344CB8AC3E}">
+        <p14:creationId xmlns:p14="http://schemas.microsoft.com/office/powerpoint/2010/main" val="2359645059"/>
+      </p:ext>
+    </p:extLst>
+  </p:cSld>
+  <p:clrMapOvr>
+    <a:masterClrMapping/>
+  </p:clrMapOvr>
+</p:notes>
+</file>
+
+<file path=ppt/notesSlides/notesSlide11.xml><?xml version="1.0" encoding="utf-8"?>
+<p:notes xmlns:a="http://schemas.openxmlformats.org/drawingml/2006/main" xmlns:r="http://schemas.openxmlformats.org/officeDocument/2006/relationships" xmlns:p="http://schemas.openxmlformats.org/presentationml/2006/main">
+  <p:cSld>
+    <p:spTree>
+      <p:nvGrpSpPr>
+        <p:cNvPr id="1" name=""/>
+        <p:cNvGrpSpPr/>
+        <p:nvPr/>
+      </p:nvGrpSpPr>
+      <p:grpSpPr>
+        <a:xfrm>
+          <a:off x="0" y="0"/>
+          <a:ext cx="0" cy="0"/>
+          <a:chOff x="0" y="0"/>
+          <a:chExt cx="0" cy="0"/>
+        </a:xfrm>
+      </p:grpSpPr>
+      <p:sp>
+        <p:nvSpPr>
+          <p:cNvPr id="2" name="슬라이드 이미지 개체 틀 1"/>
+          <p:cNvSpPr>
+            <a:spLocks noGrp="1" noRot="1" noChangeAspect="1"/>
+          </p:cNvSpPr>
+          <p:nvPr>
+            <p:ph type="sldImg"/>
+          </p:nvPr>
+        </p:nvSpPr>
+        <p:spPr/>
+      </p:sp>
+      <p:sp>
+        <p:nvSpPr>
+          <p:cNvPr id="3" name="슬라이드 노트 개체 틀 2"/>
+          <p:cNvSpPr>
+            <a:spLocks noGrp="1"/>
+          </p:cNvSpPr>
+          <p:nvPr>
+            <p:ph type="body" idx="1"/>
+          </p:nvPr>
+        </p:nvSpPr>
+        <p:spPr/>
+        <p:txBody>
+          <a:bodyPr/>
+          <a:lstStyle/>
+          <a:p>
+            <a:endParaRPr lang="ko-KR" altLang="en-US" dirty="0"/>
+          </a:p>
+        </p:txBody>
+      </p:sp>
+      <p:sp>
+        <p:nvSpPr>
+          <p:cNvPr id="4" name="슬라이드 번호 개체 틀 3"/>
+          <p:cNvSpPr>
+            <a:spLocks noGrp="1"/>
+          </p:cNvSpPr>
+          <p:nvPr>
+            <p:ph type="sldNum" sz="quarter" idx="10"/>
+          </p:nvPr>
+        </p:nvSpPr>
+        <p:spPr/>
+        <p:txBody>
+          <a:bodyPr/>
+          <a:lstStyle/>
+          <a:p>
+            <a:fld id="{88379679-F6E9-4CE3-8D1A-DEC9234F3684}" type="slidenum">
+              <a:rPr lang="ko-KR" altLang="en-US" smtClean="0"/>
+              <a:t>16</a:t>
+            </a:fld>
+            <a:endParaRPr lang="ko-KR" altLang="en-US"/>
+          </a:p>
+        </p:txBody>
+      </p:sp>
+    </p:spTree>
+    <p:extLst>
+      <p:ext uri="{BB962C8B-B14F-4D97-AF65-F5344CB8AC3E}">
+        <p14:creationId xmlns:p14="http://schemas.microsoft.com/office/powerpoint/2010/main" val="4255774133"/>
+      </p:ext>
+    </p:extLst>
+  </p:cSld>
+  <p:clrMapOvr>
+    <a:masterClrMapping/>
+  </p:clrMapOvr>
+</p:notes>
+</file>
+
 <file path=ppt/notesSlides/notesSlide2.xml><?xml version="1.0" encoding="utf-8"?>
 <p:notes xmlns:a="http://schemas.openxmlformats.org/drawingml/2006/main" xmlns:r="http://schemas.openxmlformats.org/officeDocument/2006/relationships" xmlns:p="http://schemas.openxmlformats.org/presentationml/2006/main">
   <p:cSld>
@@ -818,7 +1010,7 @@
     </p:spTree>
     <p:extLst>
       <p:ext uri="{BB962C8B-B14F-4D97-AF65-F5344CB8AC3E}">
-        <p14:creationId xmlns:p14="http://schemas.microsoft.com/office/powerpoint/2010/main" val="3754476087"/>
+        <p14:creationId xmlns:p14="http://schemas.microsoft.com/office/powerpoint/2010/main" val="49026467"/>
       </p:ext>
     </p:extLst>
   </p:cSld>
@@ -902,7 +1094,7 @@
     </p:spTree>
     <p:extLst>
       <p:ext uri="{BB962C8B-B14F-4D97-AF65-F5344CB8AC3E}">
-        <p14:creationId xmlns:p14="http://schemas.microsoft.com/office/powerpoint/2010/main" val="1726756901"/>
+        <p14:creationId xmlns:p14="http://schemas.microsoft.com/office/powerpoint/2010/main" val="3740138819"/>
       </p:ext>
     </p:extLst>
   </p:cSld>
@@ -986,7 +1178,7 @@
     </p:spTree>
     <p:extLst>
       <p:ext uri="{BB962C8B-B14F-4D97-AF65-F5344CB8AC3E}">
-        <p14:creationId xmlns:p14="http://schemas.microsoft.com/office/powerpoint/2010/main" val="280762374"/>
+        <p14:creationId xmlns:p14="http://schemas.microsoft.com/office/powerpoint/2010/main" val="800333746"/>
       </p:ext>
     </p:extLst>
   </p:cSld>
@@ -1070,7 +1262,7 @@
     </p:spTree>
     <p:extLst>
       <p:ext uri="{BB962C8B-B14F-4D97-AF65-F5344CB8AC3E}">
-        <p14:creationId xmlns:p14="http://schemas.microsoft.com/office/powerpoint/2010/main" val="2359645059"/>
+        <p14:creationId xmlns:p14="http://schemas.microsoft.com/office/powerpoint/2010/main" val="49650461"/>
       </p:ext>
     </p:extLst>
   </p:cSld>
@@ -1145,7 +1337,7 @@
           <a:p>
             <a:fld id="{88379679-F6E9-4CE3-8D1A-DEC9234F3684}" type="slidenum">
               <a:rPr lang="ko-KR" altLang="en-US" smtClean="0"/>
-              <a:t>11</a:t>
+              <a:t>10</a:t>
             </a:fld>
             <a:endParaRPr lang="ko-KR" altLang="en-US"/>
           </a:p>
@@ -1154,7 +1346,259 @@
     </p:spTree>
     <p:extLst>
       <p:ext uri="{BB962C8B-B14F-4D97-AF65-F5344CB8AC3E}">
-        <p14:creationId xmlns:p14="http://schemas.microsoft.com/office/powerpoint/2010/main" val="4255774133"/>
+        <p14:creationId xmlns:p14="http://schemas.microsoft.com/office/powerpoint/2010/main" val="3676442354"/>
+      </p:ext>
+    </p:extLst>
+  </p:cSld>
+  <p:clrMapOvr>
+    <a:masterClrMapping/>
+  </p:clrMapOvr>
+</p:notes>
+</file>
+
+<file path=ppt/notesSlides/notesSlide7.xml><?xml version="1.0" encoding="utf-8"?>
+<p:notes xmlns:a="http://schemas.openxmlformats.org/drawingml/2006/main" xmlns:r="http://schemas.openxmlformats.org/officeDocument/2006/relationships" xmlns:p="http://schemas.openxmlformats.org/presentationml/2006/main">
+  <p:cSld>
+    <p:spTree>
+      <p:nvGrpSpPr>
+        <p:cNvPr id="1" name=""/>
+        <p:cNvGrpSpPr/>
+        <p:nvPr/>
+      </p:nvGrpSpPr>
+      <p:grpSpPr>
+        <a:xfrm>
+          <a:off x="0" y="0"/>
+          <a:ext cx="0" cy="0"/>
+          <a:chOff x="0" y="0"/>
+          <a:chExt cx="0" cy="0"/>
+        </a:xfrm>
+      </p:grpSpPr>
+      <p:sp>
+        <p:nvSpPr>
+          <p:cNvPr id="2" name="슬라이드 이미지 개체 틀 1"/>
+          <p:cNvSpPr>
+            <a:spLocks noGrp="1" noRot="1" noChangeAspect="1"/>
+          </p:cNvSpPr>
+          <p:nvPr>
+            <p:ph type="sldImg"/>
+          </p:nvPr>
+        </p:nvSpPr>
+        <p:spPr/>
+      </p:sp>
+      <p:sp>
+        <p:nvSpPr>
+          <p:cNvPr id="3" name="슬라이드 노트 개체 틀 2"/>
+          <p:cNvSpPr>
+            <a:spLocks noGrp="1"/>
+          </p:cNvSpPr>
+          <p:nvPr>
+            <p:ph type="body" idx="1"/>
+          </p:nvPr>
+        </p:nvSpPr>
+        <p:spPr/>
+        <p:txBody>
+          <a:bodyPr/>
+          <a:lstStyle/>
+          <a:p>
+            <a:endParaRPr lang="ko-KR" altLang="en-US" dirty="0"/>
+          </a:p>
+        </p:txBody>
+      </p:sp>
+      <p:sp>
+        <p:nvSpPr>
+          <p:cNvPr id="4" name="슬라이드 번호 개체 틀 3"/>
+          <p:cNvSpPr>
+            <a:spLocks noGrp="1"/>
+          </p:cNvSpPr>
+          <p:nvPr>
+            <p:ph type="sldNum" sz="quarter" idx="10"/>
+          </p:nvPr>
+        </p:nvSpPr>
+        <p:spPr/>
+        <p:txBody>
+          <a:bodyPr/>
+          <a:lstStyle/>
+          <a:p>
+            <a:fld id="{88379679-F6E9-4CE3-8D1A-DEC9234F3684}" type="slidenum">
+              <a:rPr lang="ko-KR" altLang="en-US" smtClean="0"/>
+              <a:t>11</a:t>
+            </a:fld>
+            <a:endParaRPr lang="ko-KR" altLang="en-US"/>
+          </a:p>
+        </p:txBody>
+      </p:sp>
+    </p:spTree>
+    <p:extLst>
+      <p:ext uri="{BB962C8B-B14F-4D97-AF65-F5344CB8AC3E}">
+        <p14:creationId xmlns:p14="http://schemas.microsoft.com/office/powerpoint/2010/main" val="3756404037"/>
+      </p:ext>
+    </p:extLst>
+  </p:cSld>
+  <p:clrMapOvr>
+    <a:masterClrMapping/>
+  </p:clrMapOvr>
+</p:notes>
+</file>
+
+<file path=ppt/notesSlides/notesSlide8.xml><?xml version="1.0" encoding="utf-8"?>
+<p:notes xmlns:a="http://schemas.openxmlformats.org/drawingml/2006/main" xmlns:r="http://schemas.openxmlformats.org/officeDocument/2006/relationships" xmlns:p="http://schemas.openxmlformats.org/presentationml/2006/main">
+  <p:cSld>
+    <p:spTree>
+      <p:nvGrpSpPr>
+        <p:cNvPr id="1" name=""/>
+        <p:cNvGrpSpPr/>
+        <p:nvPr/>
+      </p:nvGrpSpPr>
+      <p:grpSpPr>
+        <a:xfrm>
+          <a:off x="0" y="0"/>
+          <a:ext cx="0" cy="0"/>
+          <a:chOff x="0" y="0"/>
+          <a:chExt cx="0" cy="0"/>
+        </a:xfrm>
+      </p:grpSpPr>
+      <p:sp>
+        <p:nvSpPr>
+          <p:cNvPr id="2" name="슬라이드 이미지 개체 틀 1"/>
+          <p:cNvSpPr>
+            <a:spLocks noGrp="1" noRot="1" noChangeAspect="1"/>
+          </p:cNvSpPr>
+          <p:nvPr>
+            <p:ph type="sldImg"/>
+          </p:nvPr>
+        </p:nvSpPr>
+        <p:spPr/>
+      </p:sp>
+      <p:sp>
+        <p:nvSpPr>
+          <p:cNvPr id="3" name="슬라이드 노트 개체 틀 2"/>
+          <p:cNvSpPr>
+            <a:spLocks noGrp="1"/>
+          </p:cNvSpPr>
+          <p:nvPr>
+            <p:ph type="body" idx="1"/>
+          </p:nvPr>
+        </p:nvSpPr>
+        <p:spPr/>
+        <p:txBody>
+          <a:bodyPr/>
+          <a:lstStyle/>
+          <a:p>
+            <a:endParaRPr lang="ko-KR" altLang="en-US" dirty="0"/>
+          </a:p>
+        </p:txBody>
+      </p:sp>
+      <p:sp>
+        <p:nvSpPr>
+          <p:cNvPr id="4" name="슬라이드 번호 개체 틀 3"/>
+          <p:cNvSpPr>
+            <a:spLocks noGrp="1"/>
+          </p:cNvSpPr>
+          <p:nvPr>
+            <p:ph type="sldNum" sz="quarter" idx="10"/>
+          </p:nvPr>
+        </p:nvSpPr>
+        <p:spPr/>
+        <p:txBody>
+          <a:bodyPr/>
+          <a:lstStyle/>
+          <a:p>
+            <a:fld id="{88379679-F6E9-4CE3-8D1A-DEC9234F3684}" type="slidenum">
+              <a:rPr lang="ko-KR" altLang="en-US" smtClean="0"/>
+              <a:t>12</a:t>
+            </a:fld>
+            <a:endParaRPr lang="ko-KR" altLang="en-US"/>
+          </a:p>
+        </p:txBody>
+      </p:sp>
+    </p:spTree>
+    <p:extLst>
+      <p:ext uri="{BB962C8B-B14F-4D97-AF65-F5344CB8AC3E}">
+        <p14:creationId xmlns:p14="http://schemas.microsoft.com/office/powerpoint/2010/main" val="1726756901"/>
+      </p:ext>
+    </p:extLst>
+  </p:cSld>
+  <p:clrMapOvr>
+    <a:masterClrMapping/>
+  </p:clrMapOvr>
+</p:notes>
+</file>
+
+<file path=ppt/notesSlides/notesSlide9.xml><?xml version="1.0" encoding="utf-8"?>
+<p:notes xmlns:a="http://schemas.openxmlformats.org/drawingml/2006/main" xmlns:r="http://schemas.openxmlformats.org/officeDocument/2006/relationships" xmlns:p="http://schemas.openxmlformats.org/presentationml/2006/main">
+  <p:cSld>
+    <p:spTree>
+      <p:nvGrpSpPr>
+        <p:cNvPr id="1" name=""/>
+        <p:cNvGrpSpPr/>
+        <p:nvPr/>
+      </p:nvGrpSpPr>
+      <p:grpSpPr>
+        <a:xfrm>
+          <a:off x="0" y="0"/>
+          <a:ext cx="0" cy="0"/>
+          <a:chOff x="0" y="0"/>
+          <a:chExt cx="0" cy="0"/>
+        </a:xfrm>
+      </p:grpSpPr>
+      <p:sp>
+        <p:nvSpPr>
+          <p:cNvPr id="2" name="슬라이드 이미지 개체 틀 1"/>
+          <p:cNvSpPr>
+            <a:spLocks noGrp="1" noRot="1" noChangeAspect="1"/>
+          </p:cNvSpPr>
+          <p:nvPr>
+            <p:ph type="sldImg"/>
+          </p:nvPr>
+        </p:nvSpPr>
+        <p:spPr/>
+      </p:sp>
+      <p:sp>
+        <p:nvSpPr>
+          <p:cNvPr id="3" name="슬라이드 노트 개체 틀 2"/>
+          <p:cNvSpPr>
+            <a:spLocks noGrp="1"/>
+          </p:cNvSpPr>
+          <p:nvPr>
+            <p:ph type="body" idx="1"/>
+          </p:nvPr>
+        </p:nvSpPr>
+        <p:spPr/>
+        <p:txBody>
+          <a:bodyPr/>
+          <a:lstStyle/>
+          <a:p>
+            <a:endParaRPr lang="ko-KR" altLang="en-US" dirty="0"/>
+          </a:p>
+        </p:txBody>
+      </p:sp>
+      <p:sp>
+        <p:nvSpPr>
+          <p:cNvPr id="4" name="슬라이드 번호 개체 틀 3"/>
+          <p:cNvSpPr>
+            <a:spLocks noGrp="1"/>
+          </p:cNvSpPr>
+          <p:nvPr>
+            <p:ph type="sldNum" sz="quarter" idx="10"/>
+          </p:nvPr>
+        </p:nvSpPr>
+        <p:spPr/>
+        <p:txBody>
+          <a:bodyPr/>
+          <a:lstStyle/>
+          <a:p>
+            <a:fld id="{88379679-F6E9-4CE3-8D1A-DEC9234F3684}" type="slidenum">
+              <a:rPr lang="ko-KR" altLang="en-US" smtClean="0"/>
+              <a:t>13</a:t>
+            </a:fld>
+            <a:endParaRPr lang="ko-KR" altLang="en-US"/>
+          </a:p>
+        </p:txBody>
+      </p:sp>
+    </p:spTree>
+    <p:extLst>
+      <p:ext uri="{BB962C8B-B14F-4D97-AF65-F5344CB8AC3E}">
+        <p14:creationId xmlns:p14="http://schemas.microsoft.com/office/powerpoint/2010/main" val="280762374"/>
       </p:ext>
     </p:extLst>
   </p:cSld>
@@ -4406,6 +4850,1474 @@
       </p:grpSpPr>
       <p:grpSp>
         <p:nvGrpSpPr>
+          <p:cNvPr id="4" name="그룹 3"/>
+          <p:cNvGrpSpPr/>
+          <p:nvPr/>
+        </p:nvGrpSpPr>
+        <p:grpSpPr>
+          <a:xfrm>
+            <a:off x="313580" y="217255"/>
+            <a:ext cx="1801651" cy="433840"/>
+            <a:chOff x="313580" y="217255"/>
+            <a:chExt cx="1801651" cy="433840"/>
+          </a:xfrm>
+        </p:grpSpPr>
+        <p:sp>
+          <p:nvSpPr>
+            <p:cNvPr id="5" name="TextBox 4"/>
+            <p:cNvSpPr txBox="1"/>
+            <p:nvPr/>
+          </p:nvSpPr>
+          <p:spPr>
+            <a:xfrm>
+              <a:off x="313580" y="281763"/>
+              <a:ext cx="577402" cy="369332"/>
+            </a:xfrm>
+            <a:prstGeom prst="rect">
+              <a:avLst/>
+            </a:prstGeom>
+            <a:noFill/>
+            <a:ln>
+              <a:noFill/>
+            </a:ln>
+            <a:effectLst>
+              <a:outerShdw blurRad="50800" dist="50800" dir="5400000" sx="1000" sy="1000" algn="ctr" rotWithShape="0">
+                <a:srgbClr val="000000"/>
+              </a:outerShdw>
+            </a:effectLst>
+          </p:spPr>
+          <p:txBody>
+            <a:bodyPr wrap="none" rtlCol="0">
+              <a:spAutoFit/>
+            </a:bodyPr>
+            <a:lstStyle/>
+            <a:p>
+              <a:r>
+                <a:rPr lang="en-US" altLang="ko-KR" dirty="0">
+                  <a:solidFill>
+                    <a:schemeClr val="tx1">
+                      <a:lumMod val="65000"/>
+                      <a:lumOff val="35000"/>
+                    </a:schemeClr>
+                  </a:solidFill>
+                  <a:latin typeface="Noto Sans CJK SC Bold" pitchFamily="34" charset="-127"/>
+                  <a:ea typeface="Noto Sans CJK SC Bold" pitchFamily="34" charset="-127"/>
+                </a:rPr>
+                <a:t>#02</a:t>
+              </a:r>
+              <a:endParaRPr lang="ko-KR" altLang="en-US" dirty="0">
+                <a:solidFill>
+                  <a:schemeClr val="tx1">
+                    <a:lumMod val="65000"/>
+                    <a:lumOff val="35000"/>
+                  </a:schemeClr>
+                </a:solidFill>
+                <a:latin typeface="Noto Sans CJK SC Bold" pitchFamily="34" charset="-127"/>
+                <a:ea typeface="Noto Sans CJK SC Bold" pitchFamily="34" charset="-127"/>
+              </a:endParaRPr>
+            </a:p>
+          </p:txBody>
+        </p:sp>
+        <p:sp>
+          <p:nvSpPr>
+            <p:cNvPr id="6" name="TextBox 5"/>
+            <p:cNvSpPr txBox="1"/>
+            <p:nvPr/>
+          </p:nvSpPr>
+          <p:spPr>
+            <a:xfrm>
+              <a:off x="747041" y="217255"/>
+              <a:ext cx="1368190" cy="430887"/>
+            </a:xfrm>
+            <a:prstGeom prst="rect">
+              <a:avLst/>
+            </a:prstGeom>
+            <a:noFill/>
+          </p:spPr>
+          <p:txBody>
+            <a:bodyPr wrap="square" rtlCol="0">
+              <a:spAutoFit/>
+            </a:bodyPr>
+            <a:lstStyle/>
+            <a:p>
+              <a:r>
+                <a:rPr lang="ko-KR" altLang="en-US" sz="2200" dirty="0">
+                  <a:solidFill>
+                    <a:schemeClr val="tx1">
+                      <a:lumMod val="65000"/>
+                      <a:lumOff val="35000"/>
+                    </a:schemeClr>
+                  </a:solidFill>
+                  <a:latin typeface="다음_Regular" panose="02000603060000000000" pitchFamily="2" charset="-127"/>
+                  <a:ea typeface="다음_Regular" panose="02000603060000000000" pitchFamily="2" charset="-127"/>
+                </a:rPr>
+                <a:t>구현</a:t>
+              </a:r>
+              <a:endParaRPr lang="en-US" altLang="ko-KR" sz="2200" dirty="0">
+                <a:solidFill>
+                  <a:schemeClr val="tx1">
+                    <a:lumMod val="65000"/>
+                    <a:lumOff val="35000"/>
+                  </a:schemeClr>
+                </a:solidFill>
+                <a:latin typeface="다음_Regular" panose="02000603060000000000" pitchFamily="2" charset="-127"/>
+                <a:ea typeface="다음_Regular" panose="02000603060000000000" pitchFamily="2" charset="-127"/>
+              </a:endParaRPr>
+            </a:p>
+          </p:txBody>
+        </p:sp>
+      </p:grpSp>
+      <p:cxnSp>
+        <p:nvCxnSpPr>
+          <p:cNvPr id="13" name="직선 연결선 12"/>
+          <p:cNvCxnSpPr/>
+          <p:nvPr/>
+        </p:nvCxnSpPr>
+        <p:spPr>
+          <a:xfrm flipV="1">
+            <a:off x="333830" y="651095"/>
+            <a:ext cx="8414750" cy="21407"/>
+          </a:xfrm>
+          <a:prstGeom prst="line">
+            <a:avLst/>
+          </a:prstGeom>
+          <a:ln w="38100">
+            <a:solidFill>
+              <a:schemeClr val="tx2">
+                <a:lumMod val="60000"/>
+                <a:lumOff val="40000"/>
+              </a:schemeClr>
+            </a:solidFill>
+          </a:ln>
+        </p:spPr>
+        <p:style>
+          <a:lnRef idx="1">
+            <a:schemeClr val="accent1"/>
+          </a:lnRef>
+          <a:fillRef idx="0">
+            <a:schemeClr val="accent1"/>
+          </a:fillRef>
+          <a:effectRef idx="0">
+            <a:schemeClr val="accent1"/>
+          </a:effectRef>
+          <a:fontRef idx="minor">
+            <a:schemeClr val="tx1"/>
+          </a:fontRef>
+        </p:style>
+      </p:cxnSp>
+      <p:sp>
+        <p:nvSpPr>
+          <p:cNvPr id="2" name="TextBox 1">
+            <a:extLst>
+              <a:ext uri="{FF2B5EF4-FFF2-40B4-BE49-F238E27FC236}">
+                <a16:creationId xmlns:a16="http://schemas.microsoft.com/office/drawing/2014/main" id="{A25C5362-D540-412A-BB20-68899FF54BCA}"/>
+              </a:ext>
+            </a:extLst>
+          </p:cNvPr>
+          <p:cNvSpPr txBox="1"/>
+          <p:nvPr/>
+        </p:nvSpPr>
+        <p:spPr>
+          <a:xfrm>
+            <a:off x="584059" y="985871"/>
+            <a:ext cx="3032849" cy="523220"/>
+          </a:xfrm>
+          <a:prstGeom prst="rect">
+            <a:avLst/>
+          </a:prstGeom>
+          <a:noFill/>
+        </p:spPr>
+        <p:txBody>
+          <a:bodyPr wrap="square" rtlCol="0">
+            <a:spAutoFit/>
+          </a:bodyPr>
+          <a:lstStyle/>
+          <a:p>
+            <a:r>
+              <a:rPr lang="en-US" altLang="ko-KR" sz="2800" dirty="0" err="1"/>
+              <a:t>JsonParser.class</a:t>
+            </a:r>
+            <a:endParaRPr lang="ko-KR" altLang="en-US" sz="2800" dirty="0"/>
+          </a:p>
+        </p:txBody>
+      </p:sp>
+      <p:sp>
+        <p:nvSpPr>
+          <p:cNvPr id="3" name="TextBox 2">
+            <a:extLst>
+              <a:ext uri="{FF2B5EF4-FFF2-40B4-BE49-F238E27FC236}">
+                <a16:creationId xmlns:a16="http://schemas.microsoft.com/office/drawing/2014/main" id="{6ED06BBC-B3EC-4577-A388-99D03153B22A}"/>
+              </a:ext>
+            </a:extLst>
+          </p:cNvPr>
+          <p:cNvSpPr txBox="1"/>
+          <p:nvPr/>
+        </p:nvSpPr>
+        <p:spPr>
+          <a:xfrm>
+            <a:off x="890982" y="1988800"/>
+            <a:ext cx="7489040" cy="3046988"/>
+          </a:xfrm>
+          <a:prstGeom prst="rect">
+            <a:avLst/>
+          </a:prstGeom>
+          <a:noFill/>
+        </p:spPr>
+        <p:txBody>
+          <a:bodyPr wrap="square" rtlCol="0">
+            <a:spAutoFit/>
+          </a:bodyPr>
+          <a:lstStyle/>
+          <a:p>
+            <a:r>
+              <a:rPr lang="en-US" altLang="ko-KR" sz="3200" dirty="0">
+                <a:latin typeface="a아메리카노L" panose="02020600000000000000" pitchFamily="18" charset="-127"/>
+                <a:ea typeface="a아메리카노L" panose="02020600000000000000" pitchFamily="18" charset="-127"/>
+              </a:rPr>
+              <a:t>- Parsing()</a:t>
+            </a:r>
+          </a:p>
+          <a:p>
+            <a:endParaRPr lang="en-US" altLang="ko-KR" sz="3200" dirty="0">
+              <a:latin typeface="a아메리카노L" panose="02020600000000000000" pitchFamily="18" charset="-127"/>
+              <a:ea typeface="a아메리카노L" panose="02020600000000000000" pitchFamily="18" charset="-127"/>
+            </a:endParaRPr>
+          </a:p>
+          <a:p>
+            <a:r>
+              <a:rPr lang="en-US" altLang="ko-KR" sz="3200" dirty="0">
+                <a:latin typeface="a아메리카노L" panose="02020600000000000000" pitchFamily="18" charset="-127"/>
+                <a:ea typeface="a아메리카노L" panose="02020600000000000000" pitchFamily="18" charset="-127"/>
+              </a:rPr>
+              <a:t>- AddressToWGS84()</a:t>
+            </a:r>
+          </a:p>
+          <a:p>
+            <a:endParaRPr lang="en-US" altLang="ko-KR" sz="3200" dirty="0">
+              <a:latin typeface="a아메리카노L" panose="02020600000000000000" pitchFamily="18" charset="-127"/>
+              <a:ea typeface="a아메리카노L" panose="02020600000000000000" pitchFamily="18" charset="-127"/>
+            </a:endParaRPr>
+          </a:p>
+          <a:p>
+            <a:r>
+              <a:rPr lang="en-US" altLang="ko-KR" sz="3200" dirty="0">
+                <a:latin typeface="a아메리카노L" panose="02020600000000000000" pitchFamily="18" charset="-127"/>
+                <a:ea typeface="a아메리카노L" panose="02020600000000000000" pitchFamily="18" charset="-127"/>
+              </a:rPr>
+              <a:t>- Parsing</a:t>
+            </a:r>
+            <a:r>
+              <a:rPr lang="ko-KR" altLang="en-US" sz="3200" dirty="0">
+                <a:latin typeface="a아메리카노L" panose="02020600000000000000" pitchFamily="18" charset="-127"/>
+                <a:ea typeface="a아메리카노L" panose="02020600000000000000" pitchFamily="18" charset="-127"/>
+              </a:rPr>
+              <a:t>한 정보들의 </a:t>
+            </a:r>
+            <a:r>
+              <a:rPr lang="en-US" altLang="ko-KR" sz="3200" dirty="0">
+                <a:latin typeface="a아메리카노L" panose="02020600000000000000" pitchFamily="18" charset="-127"/>
+                <a:ea typeface="a아메리카노L" panose="02020600000000000000" pitchFamily="18" charset="-127"/>
+              </a:rPr>
+              <a:t>set, get Method</a:t>
+            </a:r>
+            <a:endParaRPr lang="ko-KR" altLang="en-US" sz="3200" dirty="0">
+              <a:latin typeface="a아메리카노L" panose="02020600000000000000" pitchFamily="18" charset="-127"/>
+              <a:ea typeface="a아메리카노L" panose="02020600000000000000" pitchFamily="18" charset="-127"/>
+            </a:endParaRPr>
+          </a:p>
+        </p:txBody>
+      </p:sp>
+    </p:spTree>
+    <p:extLst>
+      <p:ext uri="{BB962C8B-B14F-4D97-AF65-F5344CB8AC3E}">
+        <p14:creationId xmlns:p14="http://schemas.microsoft.com/office/powerpoint/2010/main" val="3066076558"/>
+      </p:ext>
+    </p:extLst>
+  </p:cSld>
+  <p:clrMapOvr>
+    <a:masterClrMapping/>
+  </p:clrMapOvr>
+  <mc:AlternateContent xmlns:mc="http://schemas.openxmlformats.org/markup-compatibility/2006" xmlns:p14="http://schemas.microsoft.com/office/powerpoint/2010/main">
+    <mc:Choice Requires="p14">
+      <p:transition spd="med" p14:dur="700">
+        <p:fade/>
+      </p:transition>
+    </mc:Choice>
+    <mc:Fallback xmlns="">
+      <p:transition spd="med">
+        <p:fade/>
+      </p:transition>
+    </mc:Fallback>
+  </mc:AlternateContent>
+</p:sld>
+</file>
+
+<file path=ppt/slides/slide11.xml><?xml version="1.0" encoding="utf-8"?>
+<p:sld xmlns:a="http://schemas.openxmlformats.org/drawingml/2006/main" xmlns:r="http://schemas.openxmlformats.org/officeDocument/2006/relationships" xmlns:p="http://schemas.openxmlformats.org/presentationml/2006/main">
+  <p:cSld>
+    <p:spTree>
+      <p:nvGrpSpPr>
+        <p:cNvPr id="1" name=""/>
+        <p:cNvGrpSpPr/>
+        <p:nvPr/>
+      </p:nvGrpSpPr>
+      <p:grpSpPr>
+        <a:xfrm>
+          <a:off x="0" y="0"/>
+          <a:ext cx="0" cy="0"/>
+          <a:chOff x="0" y="0"/>
+          <a:chExt cx="0" cy="0"/>
+        </a:xfrm>
+      </p:grpSpPr>
+      <p:grpSp>
+        <p:nvGrpSpPr>
+          <p:cNvPr id="4" name="그룹 3"/>
+          <p:cNvGrpSpPr/>
+          <p:nvPr/>
+        </p:nvGrpSpPr>
+        <p:grpSpPr>
+          <a:xfrm>
+            <a:off x="313580" y="217255"/>
+            <a:ext cx="1801651" cy="433840"/>
+            <a:chOff x="313580" y="217255"/>
+            <a:chExt cx="1801651" cy="433840"/>
+          </a:xfrm>
+        </p:grpSpPr>
+        <p:sp>
+          <p:nvSpPr>
+            <p:cNvPr id="5" name="TextBox 4"/>
+            <p:cNvSpPr txBox="1"/>
+            <p:nvPr/>
+          </p:nvSpPr>
+          <p:spPr>
+            <a:xfrm>
+              <a:off x="313580" y="281763"/>
+              <a:ext cx="577402" cy="369332"/>
+            </a:xfrm>
+            <a:prstGeom prst="rect">
+              <a:avLst/>
+            </a:prstGeom>
+            <a:noFill/>
+            <a:ln>
+              <a:noFill/>
+            </a:ln>
+            <a:effectLst>
+              <a:outerShdw blurRad="50800" dist="50800" dir="5400000" sx="1000" sy="1000" algn="ctr" rotWithShape="0">
+                <a:srgbClr val="000000"/>
+              </a:outerShdw>
+            </a:effectLst>
+          </p:spPr>
+          <p:txBody>
+            <a:bodyPr wrap="none" rtlCol="0">
+              <a:spAutoFit/>
+            </a:bodyPr>
+            <a:lstStyle/>
+            <a:p>
+              <a:r>
+                <a:rPr lang="en-US" altLang="ko-KR" dirty="0">
+                  <a:solidFill>
+                    <a:schemeClr val="tx1">
+                      <a:lumMod val="65000"/>
+                      <a:lumOff val="35000"/>
+                    </a:schemeClr>
+                  </a:solidFill>
+                  <a:latin typeface="Noto Sans CJK SC Bold" pitchFamily="34" charset="-127"/>
+                  <a:ea typeface="Noto Sans CJK SC Bold" pitchFamily="34" charset="-127"/>
+                </a:rPr>
+                <a:t>#02</a:t>
+              </a:r>
+              <a:endParaRPr lang="ko-KR" altLang="en-US" dirty="0">
+                <a:solidFill>
+                  <a:schemeClr val="tx1">
+                    <a:lumMod val="65000"/>
+                    <a:lumOff val="35000"/>
+                  </a:schemeClr>
+                </a:solidFill>
+                <a:latin typeface="Noto Sans CJK SC Bold" pitchFamily="34" charset="-127"/>
+                <a:ea typeface="Noto Sans CJK SC Bold" pitchFamily="34" charset="-127"/>
+              </a:endParaRPr>
+            </a:p>
+          </p:txBody>
+        </p:sp>
+        <p:sp>
+          <p:nvSpPr>
+            <p:cNvPr id="6" name="TextBox 5"/>
+            <p:cNvSpPr txBox="1"/>
+            <p:nvPr/>
+          </p:nvSpPr>
+          <p:spPr>
+            <a:xfrm>
+              <a:off x="747041" y="217255"/>
+              <a:ext cx="1368190" cy="430887"/>
+            </a:xfrm>
+            <a:prstGeom prst="rect">
+              <a:avLst/>
+            </a:prstGeom>
+            <a:noFill/>
+          </p:spPr>
+          <p:txBody>
+            <a:bodyPr wrap="square" rtlCol="0">
+              <a:spAutoFit/>
+            </a:bodyPr>
+            <a:lstStyle/>
+            <a:p>
+              <a:r>
+                <a:rPr lang="ko-KR" altLang="en-US" sz="2200" dirty="0">
+                  <a:solidFill>
+                    <a:schemeClr val="tx1">
+                      <a:lumMod val="65000"/>
+                      <a:lumOff val="35000"/>
+                    </a:schemeClr>
+                  </a:solidFill>
+                  <a:latin typeface="다음_Regular" panose="02000603060000000000" pitchFamily="2" charset="-127"/>
+                  <a:ea typeface="다음_Regular" panose="02000603060000000000" pitchFamily="2" charset="-127"/>
+                </a:rPr>
+                <a:t>구현</a:t>
+              </a:r>
+              <a:endParaRPr lang="en-US" altLang="ko-KR" sz="2200" dirty="0">
+                <a:solidFill>
+                  <a:schemeClr val="tx1">
+                    <a:lumMod val="65000"/>
+                    <a:lumOff val="35000"/>
+                  </a:schemeClr>
+                </a:solidFill>
+                <a:latin typeface="다음_Regular" panose="02000603060000000000" pitchFamily="2" charset="-127"/>
+                <a:ea typeface="다음_Regular" panose="02000603060000000000" pitchFamily="2" charset="-127"/>
+              </a:endParaRPr>
+            </a:p>
+          </p:txBody>
+        </p:sp>
+      </p:grpSp>
+      <p:cxnSp>
+        <p:nvCxnSpPr>
+          <p:cNvPr id="13" name="직선 연결선 12"/>
+          <p:cNvCxnSpPr/>
+          <p:nvPr/>
+        </p:nvCxnSpPr>
+        <p:spPr>
+          <a:xfrm flipV="1">
+            <a:off x="333830" y="651095"/>
+            <a:ext cx="8414750" cy="21407"/>
+          </a:xfrm>
+          <a:prstGeom prst="line">
+            <a:avLst/>
+          </a:prstGeom>
+          <a:ln w="38100">
+            <a:solidFill>
+              <a:schemeClr val="tx2">
+                <a:lumMod val="60000"/>
+                <a:lumOff val="40000"/>
+              </a:schemeClr>
+            </a:solidFill>
+          </a:ln>
+        </p:spPr>
+        <p:style>
+          <a:lnRef idx="1">
+            <a:schemeClr val="accent1"/>
+          </a:lnRef>
+          <a:fillRef idx="0">
+            <a:schemeClr val="accent1"/>
+          </a:fillRef>
+          <a:effectRef idx="0">
+            <a:schemeClr val="accent1"/>
+          </a:effectRef>
+          <a:fontRef idx="minor">
+            <a:schemeClr val="tx1"/>
+          </a:fontRef>
+        </p:style>
+      </p:cxnSp>
+      <p:sp>
+        <p:nvSpPr>
+          <p:cNvPr id="2" name="TextBox 1">
+            <a:extLst>
+              <a:ext uri="{FF2B5EF4-FFF2-40B4-BE49-F238E27FC236}">
+                <a16:creationId xmlns:a16="http://schemas.microsoft.com/office/drawing/2014/main" id="{A25C5362-D540-412A-BB20-68899FF54BCA}"/>
+              </a:ext>
+            </a:extLst>
+          </p:cNvPr>
+          <p:cNvSpPr txBox="1"/>
+          <p:nvPr/>
+        </p:nvSpPr>
+        <p:spPr>
+          <a:xfrm>
+            <a:off x="584059" y="985871"/>
+            <a:ext cx="3032849" cy="523220"/>
+          </a:xfrm>
+          <a:prstGeom prst="rect">
+            <a:avLst/>
+          </a:prstGeom>
+          <a:noFill/>
+        </p:spPr>
+        <p:txBody>
+          <a:bodyPr wrap="square" rtlCol="0">
+            <a:spAutoFit/>
+          </a:bodyPr>
+          <a:lstStyle/>
+          <a:p>
+            <a:r>
+              <a:rPr lang="en-US" altLang="ko-KR" sz="2800" dirty="0" err="1"/>
+              <a:t>PrintMap.class</a:t>
+            </a:r>
+            <a:endParaRPr lang="ko-KR" altLang="en-US" sz="2800" dirty="0"/>
+          </a:p>
+        </p:txBody>
+      </p:sp>
+      <p:sp>
+        <p:nvSpPr>
+          <p:cNvPr id="3" name="TextBox 2">
+            <a:extLst>
+              <a:ext uri="{FF2B5EF4-FFF2-40B4-BE49-F238E27FC236}">
+                <a16:creationId xmlns:a16="http://schemas.microsoft.com/office/drawing/2014/main" id="{6ED06BBC-B3EC-4577-A388-99D03153B22A}"/>
+              </a:ext>
+            </a:extLst>
+          </p:cNvPr>
+          <p:cNvSpPr txBox="1"/>
+          <p:nvPr/>
+        </p:nvSpPr>
+        <p:spPr>
+          <a:xfrm>
+            <a:off x="1259540" y="1988800"/>
+            <a:ext cx="6480900" cy="2062103"/>
+          </a:xfrm>
+          <a:prstGeom prst="rect">
+            <a:avLst/>
+          </a:prstGeom>
+          <a:noFill/>
+        </p:spPr>
+        <p:txBody>
+          <a:bodyPr wrap="square" rtlCol="0">
+            <a:spAutoFit/>
+          </a:bodyPr>
+          <a:lstStyle/>
+          <a:p>
+            <a:pPr marL="457200" indent="-457200">
+              <a:buFontTx/>
+              <a:buChar char="-"/>
+            </a:pPr>
+            <a:r>
+              <a:rPr lang="en-US" altLang="ko-KR" sz="3200" dirty="0">
+                <a:latin typeface="a아메리카노L" panose="02020600000000000000" pitchFamily="18" charset="-127"/>
+                <a:ea typeface="a아메리카노L" panose="02020600000000000000" pitchFamily="18" charset="-127"/>
+              </a:rPr>
+              <a:t>Latitude &amp; </a:t>
+            </a:r>
+            <a:r>
+              <a:rPr lang="en-US" altLang="ko-KR" sz="3200" dirty="0" err="1">
+                <a:latin typeface="a아메리카노L" panose="02020600000000000000" pitchFamily="18" charset="-127"/>
+                <a:ea typeface="a아메리카노L" panose="02020600000000000000" pitchFamily="18" charset="-127"/>
+              </a:rPr>
+              <a:t>Longtitude</a:t>
+            </a:r>
+            <a:endParaRPr lang="en-US" altLang="ko-KR" sz="3200" dirty="0">
+              <a:latin typeface="a아메리카노L" panose="02020600000000000000" pitchFamily="18" charset="-127"/>
+              <a:ea typeface="a아메리카노L" panose="02020600000000000000" pitchFamily="18" charset="-127"/>
+            </a:endParaRPr>
+          </a:p>
+          <a:p>
+            <a:pPr marL="457200" indent="-457200">
+              <a:buFontTx/>
+              <a:buChar char="-"/>
+            </a:pPr>
+            <a:r>
+              <a:rPr lang="en-US" altLang="ko-KR" sz="3200" dirty="0">
+                <a:latin typeface="a아메리카노L" panose="02020600000000000000" pitchFamily="18" charset="-127"/>
+                <a:ea typeface="a아메리카노L" panose="02020600000000000000" pitchFamily="18" charset="-127"/>
+              </a:rPr>
+              <a:t>JavaScript</a:t>
+            </a:r>
+          </a:p>
+          <a:p>
+            <a:pPr marL="457200" indent="-457200">
+              <a:buFontTx/>
+              <a:buChar char="-"/>
+            </a:pPr>
+            <a:r>
+              <a:rPr lang="en-US" altLang="ko-KR" sz="3200" dirty="0">
+                <a:latin typeface="a아메리카노L" panose="02020600000000000000" pitchFamily="18" charset="-127"/>
+                <a:ea typeface="a아메리카노L" panose="02020600000000000000" pitchFamily="18" charset="-127"/>
+              </a:rPr>
+              <a:t>Local (Apache Tomcat)</a:t>
+            </a:r>
+          </a:p>
+          <a:p>
+            <a:pPr marL="457200" indent="-457200">
+              <a:buFontTx/>
+              <a:buChar char="-"/>
+            </a:pPr>
+            <a:r>
+              <a:rPr lang="en-US" altLang="ko-KR" sz="3200" dirty="0" err="1">
+                <a:latin typeface="a아메리카노L" panose="02020600000000000000" pitchFamily="18" charset="-127"/>
+                <a:ea typeface="a아메리카노L" panose="02020600000000000000" pitchFamily="18" charset="-127"/>
+              </a:rPr>
+              <a:t>Index.jsp</a:t>
+            </a:r>
+            <a:r>
+              <a:rPr lang="ko-KR" altLang="en-US" sz="3200" dirty="0">
+                <a:latin typeface="a아메리카노L" panose="02020600000000000000" pitchFamily="18" charset="-127"/>
+                <a:ea typeface="a아메리카노L" panose="02020600000000000000" pitchFamily="18" charset="-127"/>
+              </a:rPr>
+              <a:t>파일로 저장</a:t>
+            </a:r>
+          </a:p>
+        </p:txBody>
+      </p:sp>
+    </p:spTree>
+    <p:extLst>
+      <p:ext uri="{BB962C8B-B14F-4D97-AF65-F5344CB8AC3E}">
+        <p14:creationId xmlns:p14="http://schemas.microsoft.com/office/powerpoint/2010/main" val="2522532079"/>
+      </p:ext>
+    </p:extLst>
+  </p:cSld>
+  <p:clrMapOvr>
+    <a:masterClrMapping/>
+  </p:clrMapOvr>
+  <mc:AlternateContent xmlns:mc="http://schemas.openxmlformats.org/markup-compatibility/2006" xmlns:p14="http://schemas.microsoft.com/office/powerpoint/2010/main">
+    <mc:Choice Requires="p14">
+      <p:transition spd="med" p14:dur="700">
+        <p:fade/>
+      </p:transition>
+    </mc:Choice>
+    <mc:Fallback xmlns="">
+      <p:transition spd="med">
+        <p:fade/>
+      </p:transition>
+    </mc:Fallback>
+  </mc:AlternateContent>
+</p:sld>
+</file>
+
+<file path=ppt/slides/slide12.xml><?xml version="1.0" encoding="utf-8"?>
+<p:sld xmlns:a="http://schemas.openxmlformats.org/drawingml/2006/main" xmlns:r="http://schemas.openxmlformats.org/officeDocument/2006/relationships" xmlns:p="http://schemas.openxmlformats.org/presentationml/2006/main">
+  <p:cSld>
+    <p:spTree>
+      <p:nvGrpSpPr>
+        <p:cNvPr id="1" name=""/>
+        <p:cNvGrpSpPr/>
+        <p:nvPr/>
+      </p:nvGrpSpPr>
+      <p:grpSpPr>
+        <a:xfrm>
+          <a:off x="0" y="0"/>
+          <a:ext cx="0" cy="0"/>
+          <a:chOff x="0" y="0"/>
+          <a:chExt cx="0" cy="0"/>
+        </a:xfrm>
+      </p:grpSpPr>
+      <p:grpSp>
+        <p:nvGrpSpPr>
+          <p:cNvPr id="4" name="그룹 3"/>
+          <p:cNvGrpSpPr/>
+          <p:nvPr/>
+        </p:nvGrpSpPr>
+        <p:grpSpPr>
+          <a:xfrm>
+            <a:off x="313580" y="217255"/>
+            <a:ext cx="1801651" cy="433840"/>
+            <a:chOff x="313580" y="217255"/>
+            <a:chExt cx="1801651" cy="433840"/>
+          </a:xfrm>
+        </p:grpSpPr>
+        <p:sp>
+          <p:nvSpPr>
+            <p:cNvPr id="5" name="TextBox 4"/>
+            <p:cNvSpPr txBox="1"/>
+            <p:nvPr/>
+          </p:nvSpPr>
+          <p:spPr>
+            <a:xfrm>
+              <a:off x="313580" y="281763"/>
+              <a:ext cx="577402" cy="369332"/>
+            </a:xfrm>
+            <a:prstGeom prst="rect">
+              <a:avLst/>
+            </a:prstGeom>
+            <a:noFill/>
+            <a:ln>
+              <a:noFill/>
+            </a:ln>
+            <a:effectLst>
+              <a:outerShdw blurRad="50800" dist="50800" dir="5400000" sx="1000" sy="1000" algn="ctr" rotWithShape="0">
+                <a:srgbClr val="000000"/>
+              </a:outerShdw>
+            </a:effectLst>
+          </p:spPr>
+          <p:txBody>
+            <a:bodyPr wrap="none" rtlCol="0">
+              <a:spAutoFit/>
+            </a:bodyPr>
+            <a:lstStyle/>
+            <a:p>
+              <a:r>
+                <a:rPr lang="en-US" altLang="ko-KR" dirty="0">
+                  <a:solidFill>
+                    <a:schemeClr val="tx1">
+                      <a:lumMod val="65000"/>
+                      <a:lumOff val="35000"/>
+                    </a:schemeClr>
+                  </a:solidFill>
+                  <a:latin typeface="Noto Sans CJK SC Bold" pitchFamily="34" charset="-127"/>
+                  <a:ea typeface="Noto Sans CJK SC Bold" pitchFamily="34" charset="-127"/>
+                </a:rPr>
+                <a:t>#02</a:t>
+              </a:r>
+              <a:endParaRPr lang="ko-KR" altLang="en-US" dirty="0">
+                <a:solidFill>
+                  <a:schemeClr val="tx1">
+                    <a:lumMod val="65000"/>
+                    <a:lumOff val="35000"/>
+                  </a:schemeClr>
+                </a:solidFill>
+                <a:latin typeface="Noto Sans CJK SC Bold" pitchFamily="34" charset="-127"/>
+                <a:ea typeface="Noto Sans CJK SC Bold" pitchFamily="34" charset="-127"/>
+              </a:endParaRPr>
+            </a:p>
+          </p:txBody>
+        </p:sp>
+        <p:sp>
+          <p:nvSpPr>
+            <p:cNvPr id="6" name="TextBox 5"/>
+            <p:cNvSpPr txBox="1"/>
+            <p:nvPr/>
+          </p:nvSpPr>
+          <p:spPr>
+            <a:xfrm>
+              <a:off x="747041" y="217255"/>
+              <a:ext cx="1368190" cy="430887"/>
+            </a:xfrm>
+            <a:prstGeom prst="rect">
+              <a:avLst/>
+            </a:prstGeom>
+            <a:noFill/>
+          </p:spPr>
+          <p:txBody>
+            <a:bodyPr wrap="square" rtlCol="0">
+              <a:spAutoFit/>
+            </a:bodyPr>
+            <a:lstStyle/>
+            <a:p>
+              <a:r>
+                <a:rPr lang="ko-KR" altLang="en-US" sz="2200">
+                  <a:solidFill>
+                    <a:schemeClr val="tx1">
+                      <a:lumMod val="65000"/>
+                      <a:lumOff val="35000"/>
+                    </a:schemeClr>
+                  </a:solidFill>
+                  <a:latin typeface="다음_Regular" panose="02000603060000000000" pitchFamily="2" charset="-127"/>
+                  <a:ea typeface="다음_Regular" panose="02000603060000000000" pitchFamily="2" charset="-127"/>
+                </a:rPr>
+                <a:t>구현</a:t>
+              </a:r>
+              <a:endParaRPr lang="en-US" altLang="ko-KR" sz="2200" dirty="0">
+                <a:solidFill>
+                  <a:schemeClr val="tx1">
+                    <a:lumMod val="65000"/>
+                    <a:lumOff val="35000"/>
+                  </a:schemeClr>
+                </a:solidFill>
+                <a:latin typeface="다음_Regular" panose="02000603060000000000" pitchFamily="2" charset="-127"/>
+                <a:ea typeface="다음_Regular" panose="02000603060000000000" pitchFamily="2" charset="-127"/>
+              </a:endParaRPr>
+            </a:p>
+          </p:txBody>
+        </p:sp>
+      </p:grpSp>
+      <p:cxnSp>
+        <p:nvCxnSpPr>
+          <p:cNvPr id="13" name="직선 연결선 12"/>
+          <p:cNvCxnSpPr/>
+          <p:nvPr/>
+        </p:nvCxnSpPr>
+        <p:spPr>
+          <a:xfrm flipV="1">
+            <a:off x="333830" y="651095"/>
+            <a:ext cx="8414750" cy="21407"/>
+          </a:xfrm>
+          <a:prstGeom prst="line">
+            <a:avLst/>
+          </a:prstGeom>
+          <a:ln w="38100">
+            <a:solidFill>
+              <a:schemeClr val="tx2">
+                <a:lumMod val="60000"/>
+                <a:lumOff val="40000"/>
+              </a:schemeClr>
+            </a:solidFill>
+          </a:ln>
+        </p:spPr>
+        <p:style>
+          <a:lnRef idx="1">
+            <a:schemeClr val="accent1"/>
+          </a:lnRef>
+          <a:fillRef idx="0">
+            <a:schemeClr val="accent1"/>
+          </a:fillRef>
+          <a:effectRef idx="0">
+            <a:schemeClr val="accent1"/>
+          </a:effectRef>
+          <a:fontRef idx="minor">
+            <a:schemeClr val="tx1"/>
+          </a:fontRef>
+        </p:style>
+      </p:cxnSp>
+      <p:pic>
+        <p:nvPicPr>
+          <p:cNvPr id="3" name="그림 2">
+            <a:extLst>
+              <a:ext uri="{FF2B5EF4-FFF2-40B4-BE49-F238E27FC236}">
+                <a16:creationId xmlns:a16="http://schemas.microsoft.com/office/drawing/2014/main" id="{83D67A13-6A93-4EB8-89D9-88BFF29F0056}"/>
+              </a:ext>
+            </a:extLst>
+          </p:cNvPr>
+          <p:cNvPicPr>
+            <a:picLocks noChangeAspect="1"/>
+          </p:cNvPicPr>
+          <p:nvPr/>
+        </p:nvPicPr>
+        <p:blipFill>
+          <a:blip r:embed="rId3"/>
+          <a:stretch>
+            <a:fillRect/>
+          </a:stretch>
+        </p:blipFill>
+        <p:spPr>
+          <a:xfrm>
+            <a:off x="583" y="1196690"/>
+            <a:ext cx="9144000" cy="5140990"/>
+          </a:xfrm>
+          <a:prstGeom prst="rect">
+            <a:avLst/>
+          </a:prstGeom>
+        </p:spPr>
+      </p:pic>
+    </p:spTree>
+    <p:extLst>
+      <p:ext uri="{BB962C8B-B14F-4D97-AF65-F5344CB8AC3E}">
+        <p14:creationId xmlns:p14="http://schemas.microsoft.com/office/powerpoint/2010/main" val="2105592294"/>
+      </p:ext>
+    </p:extLst>
+  </p:cSld>
+  <p:clrMapOvr>
+    <a:masterClrMapping/>
+  </p:clrMapOvr>
+  <mc:AlternateContent xmlns:mc="http://schemas.openxmlformats.org/markup-compatibility/2006" xmlns:p14="http://schemas.microsoft.com/office/powerpoint/2010/main">
+    <mc:Choice Requires="p14">
+      <p:transition spd="med" p14:dur="700">
+        <p:fade/>
+      </p:transition>
+    </mc:Choice>
+    <mc:Fallback xmlns="">
+      <p:transition spd="med">
+        <p:fade/>
+      </p:transition>
+    </mc:Fallback>
+  </mc:AlternateContent>
+</p:sld>
+</file>
+
+<file path=ppt/slides/slide13.xml><?xml version="1.0" encoding="utf-8"?>
+<p:sld xmlns:a="http://schemas.openxmlformats.org/drawingml/2006/main" xmlns:r="http://schemas.openxmlformats.org/officeDocument/2006/relationships" xmlns:p="http://schemas.openxmlformats.org/presentationml/2006/main">
+  <p:cSld>
+    <p:spTree>
+      <p:nvGrpSpPr>
+        <p:cNvPr id="1" name=""/>
+        <p:cNvGrpSpPr/>
+        <p:nvPr/>
+      </p:nvGrpSpPr>
+      <p:grpSpPr>
+        <a:xfrm>
+          <a:off x="0" y="0"/>
+          <a:ext cx="0" cy="0"/>
+          <a:chOff x="0" y="0"/>
+          <a:chExt cx="0" cy="0"/>
+        </a:xfrm>
+      </p:grpSpPr>
+      <p:cxnSp>
+        <p:nvCxnSpPr>
+          <p:cNvPr id="13" name="직선 연결선 12"/>
+          <p:cNvCxnSpPr/>
+          <p:nvPr/>
+        </p:nvCxnSpPr>
+        <p:spPr>
+          <a:xfrm flipV="1">
+            <a:off x="330632" y="908650"/>
+            <a:ext cx="8414750" cy="21407"/>
+          </a:xfrm>
+          <a:prstGeom prst="line">
+            <a:avLst/>
+          </a:prstGeom>
+          <a:ln w="38100">
+            <a:solidFill>
+              <a:schemeClr val="tx2">
+                <a:lumMod val="60000"/>
+                <a:lumOff val="40000"/>
+              </a:schemeClr>
+            </a:solidFill>
+          </a:ln>
+        </p:spPr>
+        <p:style>
+          <a:lnRef idx="1">
+            <a:schemeClr val="accent1"/>
+          </a:lnRef>
+          <a:fillRef idx="0">
+            <a:schemeClr val="accent1"/>
+          </a:fillRef>
+          <a:effectRef idx="0">
+            <a:schemeClr val="accent1"/>
+          </a:effectRef>
+          <a:fontRef idx="minor">
+            <a:schemeClr val="tx1"/>
+          </a:fontRef>
+        </p:style>
+      </p:cxnSp>
+      <p:grpSp>
+        <p:nvGrpSpPr>
+          <p:cNvPr id="20" name="그룹 19"/>
+          <p:cNvGrpSpPr/>
+          <p:nvPr/>
+        </p:nvGrpSpPr>
+        <p:grpSpPr>
+          <a:xfrm>
+            <a:off x="365027" y="377189"/>
+            <a:ext cx="2072209" cy="523220"/>
+            <a:chOff x="365027" y="377189"/>
+            <a:chExt cx="2072209" cy="523220"/>
+          </a:xfrm>
+        </p:grpSpPr>
+        <p:sp>
+          <p:nvSpPr>
+            <p:cNvPr id="21" name="TextBox 20"/>
+            <p:cNvSpPr txBox="1"/>
+            <p:nvPr/>
+          </p:nvSpPr>
+          <p:spPr>
+            <a:xfrm>
+              <a:off x="365027" y="430503"/>
+              <a:ext cx="710451" cy="461665"/>
+            </a:xfrm>
+            <a:prstGeom prst="rect">
+              <a:avLst/>
+            </a:prstGeom>
+            <a:noFill/>
+            <a:ln>
+              <a:noFill/>
+            </a:ln>
+            <a:effectLst>
+              <a:outerShdw blurRad="50800" dist="50800" dir="5400000" sx="1000" sy="1000" algn="ctr" rotWithShape="0">
+                <a:srgbClr val="000000"/>
+              </a:outerShdw>
+            </a:effectLst>
+          </p:spPr>
+          <p:txBody>
+            <a:bodyPr wrap="none" rtlCol="0">
+              <a:spAutoFit/>
+            </a:bodyPr>
+            <a:lstStyle/>
+            <a:p>
+              <a:r>
+                <a:rPr lang="en-US" altLang="ko-KR" sz="2400" dirty="0">
+                  <a:solidFill>
+                    <a:schemeClr val="tx1">
+                      <a:lumMod val="65000"/>
+                      <a:lumOff val="35000"/>
+                    </a:schemeClr>
+                  </a:solidFill>
+                  <a:latin typeface="Noto Sans CJK SC Bold" pitchFamily="34" charset="-127"/>
+                  <a:ea typeface="Noto Sans CJK SC Bold" pitchFamily="34" charset="-127"/>
+                </a:rPr>
+                <a:t>#02</a:t>
+              </a:r>
+              <a:endParaRPr lang="ko-KR" altLang="en-US" sz="2400" dirty="0">
+                <a:solidFill>
+                  <a:schemeClr val="tx1">
+                    <a:lumMod val="65000"/>
+                    <a:lumOff val="35000"/>
+                  </a:schemeClr>
+                </a:solidFill>
+                <a:latin typeface="Noto Sans CJK SC Bold" pitchFamily="34" charset="-127"/>
+                <a:ea typeface="Noto Sans CJK SC Bold" pitchFamily="34" charset="-127"/>
+              </a:endParaRPr>
+            </a:p>
+          </p:txBody>
+        </p:sp>
+        <p:sp>
+          <p:nvSpPr>
+            <p:cNvPr id="22" name="TextBox 21"/>
+            <p:cNvSpPr txBox="1"/>
+            <p:nvPr/>
+          </p:nvSpPr>
+          <p:spPr>
+            <a:xfrm>
+              <a:off x="1069046" y="377189"/>
+              <a:ext cx="1368190" cy="523220"/>
+            </a:xfrm>
+            <a:prstGeom prst="rect">
+              <a:avLst/>
+            </a:prstGeom>
+            <a:noFill/>
+          </p:spPr>
+          <p:txBody>
+            <a:bodyPr wrap="square" rtlCol="0">
+              <a:spAutoFit/>
+            </a:bodyPr>
+            <a:lstStyle/>
+            <a:p>
+              <a:r>
+                <a:rPr lang="ko-KR" altLang="en-US" sz="2800" dirty="0">
+                  <a:solidFill>
+                    <a:schemeClr val="tx1">
+                      <a:lumMod val="65000"/>
+                      <a:lumOff val="35000"/>
+                    </a:schemeClr>
+                  </a:solidFill>
+                  <a:latin typeface="다음_Regular" panose="02000603060000000000" pitchFamily="2" charset="-127"/>
+                  <a:ea typeface="다음_Regular" panose="02000603060000000000" pitchFamily="2" charset="-127"/>
+                </a:rPr>
+                <a:t>구현</a:t>
+              </a:r>
+              <a:endParaRPr lang="en-US" altLang="ko-KR" sz="2800" dirty="0">
+                <a:solidFill>
+                  <a:schemeClr val="tx1">
+                    <a:lumMod val="65000"/>
+                    <a:lumOff val="35000"/>
+                  </a:schemeClr>
+                </a:solidFill>
+                <a:latin typeface="다음_Regular" panose="02000603060000000000" pitchFamily="2" charset="-127"/>
+                <a:ea typeface="다음_Regular" panose="02000603060000000000" pitchFamily="2" charset="-127"/>
+              </a:endParaRPr>
+            </a:p>
+          </p:txBody>
+        </p:sp>
+      </p:grpSp>
+      <p:pic>
+        <p:nvPicPr>
+          <p:cNvPr id="4" name="그림 3">
+            <a:extLst>
+              <a:ext uri="{FF2B5EF4-FFF2-40B4-BE49-F238E27FC236}">
+                <a16:creationId xmlns:a16="http://schemas.microsoft.com/office/drawing/2014/main" id="{A6CF839B-BEA9-499D-96AD-D9D36F72359F}"/>
+              </a:ext>
+            </a:extLst>
+          </p:cNvPr>
+          <p:cNvPicPr>
+            <a:picLocks noChangeAspect="1"/>
+          </p:cNvPicPr>
+          <p:nvPr/>
+        </p:nvPicPr>
+        <p:blipFill>
+          <a:blip r:embed="rId3"/>
+          <a:stretch>
+            <a:fillRect/>
+          </a:stretch>
+        </p:blipFill>
+        <p:spPr>
+          <a:xfrm>
+            <a:off x="666079" y="1124680"/>
+            <a:ext cx="7772400" cy="6076950"/>
+          </a:xfrm>
+          <a:prstGeom prst="rect">
+            <a:avLst/>
+          </a:prstGeom>
+        </p:spPr>
+      </p:pic>
+    </p:spTree>
+    <p:extLst>
+      <p:ext uri="{BB962C8B-B14F-4D97-AF65-F5344CB8AC3E}">
+        <p14:creationId xmlns:p14="http://schemas.microsoft.com/office/powerpoint/2010/main" val="695641410"/>
+      </p:ext>
+    </p:extLst>
+  </p:cSld>
+  <p:clrMapOvr>
+    <a:masterClrMapping/>
+  </p:clrMapOvr>
+  <p:transition spd="slow">
+    <p:wipe/>
+  </p:transition>
+</p:sld>
+</file>
+
+<file path=ppt/slides/slide14.xml><?xml version="1.0" encoding="utf-8"?>
+<p:sld xmlns:a="http://schemas.openxmlformats.org/drawingml/2006/main" xmlns:r="http://schemas.openxmlformats.org/officeDocument/2006/relationships" xmlns:p="http://schemas.openxmlformats.org/presentationml/2006/main">
+  <p:cSld>
+    <p:spTree>
+      <p:nvGrpSpPr>
+        <p:cNvPr id="1" name=""/>
+        <p:cNvGrpSpPr/>
+        <p:nvPr/>
+      </p:nvGrpSpPr>
+      <p:grpSpPr>
+        <a:xfrm>
+          <a:off x="0" y="0"/>
+          <a:ext cx="0" cy="0"/>
+          <a:chOff x="0" y="0"/>
+          <a:chExt cx="0" cy="0"/>
+        </a:xfrm>
+      </p:grpSpPr>
+      <p:grpSp>
+        <p:nvGrpSpPr>
+          <p:cNvPr id="4" name="그룹 3"/>
+          <p:cNvGrpSpPr/>
+          <p:nvPr/>
+        </p:nvGrpSpPr>
+        <p:grpSpPr>
+          <a:xfrm>
+            <a:off x="313580" y="217255"/>
+            <a:ext cx="1801651" cy="433840"/>
+            <a:chOff x="313580" y="217255"/>
+            <a:chExt cx="1801651" cy="433840"/>
+          </a:xfrm>
+        </p:grpSpPr>
+        <p:sp>
+          <p:nvSpPr>
+            <p:cNvPr id="5" name="TextBox 4"/>
+            <p:cNvSpPr txBox="1"/>
+            <p:nvPr/>
+          </p:nvSpPr>
+          <p:spPr>
+            <a:xfrm>
+              <a:off x="313580" y="281763"/>
+              <a:ext cx="577402" cy="369332"/>
+            </a:xfrm>
+            <a:prstGeom prst="rect">
+              <a:avLst/>
+            </a:prstGeom>
+            <a:noFill/>
+            <a:ln>
+              <a:noFill/>
+            </a:ln>
+            <a:effectLst>
+              <a:outerShdw blurRad="50800" dist="50800" dir="5400000" sx="1000" sy="1000" algn="ctr" rotWithShape="0">
+                <a:srgbClr val="000000"/>
+              </a:outerShdw>
+            </a:effectLst>
+          </p:spPr>
+          <p:txBody>
+            <a:bodyPr wrap="none" rtlCol="0">
+              <a:spAutoFit/>
+            </a:bodyPr>
+            <a:lstStyle/>
+            <a:p>
+              <a:r>
+                <a:rPr lang="en-US" altLang="ko-KR" dirty="0">
+                  <a:solidFill>
+                    <a:schemeClr val="tx1">
+                      <a:lumMod val="65000"/>
+                      <a:lumOff val="35000"/>
+                    </a:schemeClr>
+                  </a:solidFill>
+                  <a:latin typeface="Noto Sans CJK SC Bold" pitchFamily="34" charset="-127"/>
+                  <a:ea typeface="Noto Sans CJK SC Bold" pitchFamily="34" charset="-127"/>
+                </a:rPr>
+                <a:t>#02</a:t>
+              </a:r>
+              <a:endParaRPr lang="ko-KR" altLang="en-US" dirty="0">
+                <a:solidFill>
+                  <a:schemeClr val="tx1">
+                    <a:lumMod val="65000"/>
+                    <a:lumOff val="35000"/>
+                  </a:schemeClr>
+                </a:solidFill>
+                <a:latin typeface="Noto Sans CJK SC Bold" pitchFamily="34" charset="-127"/>
+                <a:ea typeface="Noto Sans CJK SC Bold" pitchFamily="34" charset="-127"/>
+              </a:endParaRPr>
+            </a:p>
+          </p:txBody>
+        </p:sp>
+        <p:sp>
+          <p:nvSpPr>
+            <p:cNvPr id="6" name="TextBox 5"/>
+            <p:cNvSpPr txBox="1"/>
+            <p:nvPr/>
+          </p:nvSpPr>
+          <p:spPr>
+            <a:xfrm>
+              <a:off x="747041" y="217255"/>
+              <a:ext cx="1368190" cy="430887"/>
+            </a:xfrm>
+            <a:prstGeom prst="rect">
+              <a:avLst/>
+            </a:prstGeom>
+            <a:noFill/>
+          </p:spPr>
+          <p:txBody>
+            <a:bodyPr wrap="square" rtlCol="0">
+              <a:spAutoFit/>
+            </a:bodyPr>
+            <a:lstStyle/>
+            <a:p>
+              <a:r>
+                <a:rPr lang="ko-KR" altLang="en-US" sz="2200">
+                  <a:solidFill>
+                    <a:schemeClr val="tx1">
+                      <a:lumMod val="65000"/>
+                      <a:lumOff val="35000"/>
+                    </a:schemeClr>
+                  </a:solidFill>
+                  <a:latin typeface="다음_Regular" panose="02000603060000000000" pitchFamily="2" charset="-127"/>
+                  <a:ea typeface="다음_Regular" panose="02000603060000000000" pitchFamily="2" charset="-127"/>
+                </a:rPr>
+                <a:t>구현</a:t>
+              </a:r>
+              <a:endParaRPr lang="en-US" altLang="ko-KR" sz="2200" dirty="0">
+                <a:solidFill>
+                  <a:schemeClr val="tx1">
+                    <a:lumMod val="65000"/>
+                    <a:lumOff val="35000"/>
+                  </a:schemeClr>
+                </a:solidFill>
+                <a:latin typeface="다음_Regular" panose="02000603060000000000" pitchFamily="2" charset="-127"/>
+                <a:ea typeface="다음_Regular" panose="02000603060000000000" pitchFamily="2" charset="-127"/>
+              </a:endParaRPr>
+            </a:p>
+          </p:txBody>
+        </p:sp>
+      </p:grpSp>
+      <p:cxnSp>
+        <p:nvCxnSpPr>
+          <p:cNvPr id="13" name="직선 연결선 12"/>
+          <p:cNvCxnSpPr/>
+          <p:nvPr/>
+        </p:nvCxnSpPr>
+        <p:spPr>
+          <a:xfrm flipV="1">
+            <a:off x="333830" y="651095"/>
+            <a:ext cx="8414750" cy="21407"/>
+          </a:xfrm>
+          <a:prstGeom prst="line">
+            <a:avLst/>
+          </a:prstGeom>
+          <a:ln w="38100">
+            <a:solidFill>
+              <a:schemeClr val="tx2">
+                <a:lumMod val="60000"/>
+                <a:lumOff val="40000"/>
+              </a:schemeClr>
+            </a:solidFill>
+          </a:ln>
+        </p:spPr>
+        <p:style>
+          <a:lnRef idx="1">
+            <a:schemeClr val="accent1"/>
+          </a:lnRef>
+          <a:fillRef idx="0">
+            <a:schemeClr val="accent1"/>
+          </a:fillRef>
+          <a:effectRef idx="0">
+            <a:schemeClr val="accent1"/>
+          </a:effectRef>
+          <a:fontRef idx="minor">
+            <a:schemeClr val="tx1"/>
+          </a:fontRef>
+        </p:style>
+      </p:cxnSp>
+      <p:pic>
+        <p:nvPicPr>
+          <p:cNvPr id="3" name="그림 2">
+            <a:extLst>
+              <a:ext uri="{FF2B5EF4-FFF2-40B4-BE49-F238E27FC236}">
+                <a16:creationId xmlns:a16="http://schemas.microsoft.com/office/drawing/2014/main" id="{E9BB236C-0E39-4798-B5C1-80A56E242B41}"/>
+              </a:ext>
+            </a:extLst>
+          </p:cNvPr>
+          <p:cNvPicPr>
+            <a:picLocks noChangeAspect="1"/>
+          </p:cNvPicPr>
+          <p:nvPr/>
+        </p:nvPicPr>
+        <p:blipFill>
+          <a:blip r:embed="rId3"/>
+          <a:stretch>
+            <a:fillRect/>
+          </a:stretch>
+        </p:blipFill>
+        <p:spPr>
+          <a:xfrm>
+            <a:off x="1516698" y="2132820"/>
+            <a:ext cx="2636548" cy="1296180"/>
+          </a:xfrm>
+          <a:prstGeom prst="rect">
+            <a:avLst/>
+          </a:prstGeom>
+        </p:spPr>
+      </p:pic>
+      <p:pic>
+        <p:nvPicPr>
+          <p:cNvPr id="8" name="그림 7">
+            <a:extLst>
+              <a:ext uri="{FF2B5EF4-FFF2-40B4-BE49-F238E27FC236}">
+                <a16:creationId xmlns:a16="http://schemas.microsoft.com/office/drawing/2014/main" id="{53D3CD17-1D98-46EE-B3F2-222C21B15A70}"/>
+              </a:ext>
+            </a:extLst>
+          </p:cNvPr>
+          <p:cNvPicPr>
+            <a:picLocks noChangeAspect="1"/>
+          </p:cNvPicPr>
+          <p:nvPr/>
+        </p:nvPicPr>
+        <p:blipFill>
+          <a:blip r:embed="rId4"/>
+          <a:stretch>
+            <a:fillRect/>
+          </a:stretch>
+        </p:blipFill>
+        <p:spPr>
+          <a:xfrm>
+            <a:off x="4458166" y="2275423"/>
+            <a:ext cx="2863048" cy="1440200"/>
+          </a:xfrm>
+          <a:prstGeom prst="rect">
+            <a:avLst/>
+          </a:prstGeom>
+        </p:spPr>
+      </p:pic>
+      <p:pic>
+        <p:nvPicPr>
+          <p:cNvPr id="12" name="그림 11">
+            <a:extLst>
+              <a:ext uri="{FF2B5EF4-FFF2-40B4-BE49-F238E27FC236}">
+                <a16:creationId xmlns:a16="http://schemas.microsoft.com/office/drawing/2014/main" id="{9BE3CB06-FECF-4BC8-818D-63E29BC89647}"/>
+              </a:ext>
+            </a:extLst>
+          </p:cNvPr>
+          <p:cNvPicPr>
+            <a:picLocks noChangeAspect="1"/>
+          </p:cNvPicPr>
+          <p:nvPr/>
+        </p:nvPicPr>
+        <p:blipFill>
+          <a:blip r:embed="rId5"/>
+          <a:stretch>
+            <a:fillRect/>
+          </a:stretch>
+        </p:blipFill>
+        <p:spPr>
+          <a:xfrm>
+            <a:off x="1516698" y="648142"/>
+            <a:ext cx="6110603" cy="6110603"/>
+          </a:xfrm>
+          <a:prstGeom prst="rect">
+            <a:avLst/>
+          </a:prstGeom>
+        </p:spPr>
+      </p:pic>
+    </p:spTree>
+    <p:extLst>
+      <p:ext uri="{BB962C8B-B14F-4D97-AF65-F5344CB8AC3E}">
+        <p14:creationId xmlns:p14="http://schemas.microsoft.com/office/powerpoint/2010/main" val="2984667788"/>
+      </p:ext>
+    </p:extLst>
+  </p:cSld>
+  <p:clrMapOvr>
+    <a:masterClrMapping/>
+  </p:clrMapOvr>
+  <mc:AlternateContent xmlns:mc="http://schemas.openxmlformats.org/markup-compatibility/2006" xmlns:p14="http://schemas.microsoft.com/office/powerpoint/2010/main">
+    <mc:Choice Requires="p14">
+      <p:transition spd="med" p14:dur="700">
+        <p:fade/>
+      </p:transition>
+    </mc:Choice>
+    <mc:Fallback xmlns="">
+      <p:transition spd="med">
+        <p:fade/>
+      </p:transition>
+    </mc:Fallback>
+  </mc:AlternateContent>
+  <p:timing>
+    <p:tnLst>
+      <p:par>
+        <p:cTn id="1" dur="indefinite" restart="never" nodeType="tmRoot">
+          <p:childTnLst>
+            <p:seq concurrent="1" nextAc="seek">
+              <p:cTn id="2" dur="indefinite" nodeType="mainSeq">
+                <p:childTnLst>
+                  <p:par>
+                    <p:cTn id="3" fill="hold">
+                      <p:stCondLst>
+                        <p:cond delay="indefinite"/>
+                      </p:stCondLst>
+                      <p:childTnLst>
+                        <p:par>
+                          <p:cTn id="4" fill="hold">
+                            <p:stCondLst>
+                              <p:cond delay="0"/>
+                            </p:stCondLst>
+                            <p:childTnLst>
+                              <p:par>
+                                <p:cTn id="5" presetID="1" presetClass="entr" presetSubtype="0" fill="hold" nodeType="clickEffect">
+                                  <p:stCondLst>
+                                    <p:cond delay="0"/>
+                                  </p:stCondLst>
+                                  <p:childTnLst>
+                                    <p:set>
+                                      <p:cBhvr>
+                                        <p:cTn id="6" dur="1" fill="hold">
+                                          <p:stCondLst>
+                                            <p:cond delay="0"/>
+                                          </p:stCondLst>
+                                        </p:cTn>
+                                        <p:tgtEl>
+                                          <p:spTgt spid="12"/>
+                                        </p:tgtEl>
+                                        <p:attrNameLst>
+                                          <p:attrName>style.visibility</p:attrName>
+                                        </p:attrNameLst>
+                                      </p:cBhvr>
+                                      <p:to>
+                                        <p:strVal val="visible"/>
+                                      </p:to>
+                                    </p:set>
+                                  </p:childTnLst>
+                                </p:cTn>
+                              </p:par>
+                            </p:childTnLst>
+                          </p:cTn>
+                        </p:par>
+                      </p:childTnLst>
+                    </p:cTn>
+                  </p:par>
+                </p:childTnLst>
+              </p:cTn>
+              <p:prevCondLst>
+                <p:cond evt="onPrev" delay="0">
+                  <p:tgtEl>
+                    <p:sldTgt/>
+                  </p:tgtEl>
+                </p:cond>
+              </p:prevCondLst>
+              <p:nextCondLst>
+                <p:cond evt="onNext" delay="0">
+                  <p:tgtEl>
+                    <p:sldTgt/>
+                  </p:tgtEl>
+                </p:cond>
+              </p:nextCondLst>
+            </p:seq>
+          </p:childTnLst>
+        </p:cTn>
+      </p:par>
+    </p:tnLst>
+  </p:timing>
+</p:sld>
+</file>
+
+<file path=ppt/slides/slide15.xml><?xml version="1.0" encoding="utf-8"?>
+<p:sld xmlns:a="http://schemas.openxmlformats.org/drawingml/2006/main" xmlns:r="http://schemas.openxmlformats.org/officeDocument/2006/relationships" xmlns:p="http://schemas.openxmlformats.org/presentationml/2006/main">
+  <p:cSld>
+    <p:spTree>
+      <p:nvGrpSpPr>
+        <p:cNvPr id="1" name=""/>
+        <p:cNvGrpSpPr/>
+        <p:nvPr/>
+      </p:nvGrpSpPr>
+      <p:grpSpPr>
+        <a:xfrm>
+          <a:off x="0" y="0"/>
+          <a:ext cx="0" cy="0"/>
+          <a:chOff x="0" y="0"/>
+          <a:chExt cx="0" cy="0"/>
+        </a:xfrm>
+      </p:grpSpPr>
+      <p:grpSp>
+        <p:nvGrpSpPr>
           <p:cNvPr id="2" name="그룹 1"/>
           <p:cNvGrpSpPr/>
           <p:nvPr/>
@@ -4588,7 +6500,7 @@
 </p:sld>
 </file>
 
-<file path=ppt/slides/slide11.xml><?xml version="1.0" encoding="utf-8"?>
+<file path=ppt/slides/slide16.xml><?xml version="1.0" encoding="utf-8"?>
 <p:sld xmlns:a="http://schemas.openxmlformats.org/drawingml/2006/main" xmlns:r="http://schemas.openxmlformats.org/officeDocument/2006/relationships" xmlns:p="http://schemas.openxmlformats.org/presentationml/2006/main">
   <p:cSld>
     <p:spTree>
@@ -5113,7 +7025,7 @@
           <a:lstStyle/>
           <a:p>
             <a:r>
-              <a:rPr lang="en-US" altLang="ko-KR" sz="2800">
+              <a:rPr lang="en-US" altLang="ko-KR" sz="2800" dirty="0">
                 <a:latin typeface="서울남산체 M" panose="02020503020101020101" pitchFamily="18" charset="-127"/>
                 <a:ea typeface="서울남산체 M" panose="02020503020101020101" pitchFamily="18" charset="-127"/>
               </a:rPr>
@@ -5124,7 +7036,21 @@
                 <a:latin typeface="서울남산체 M" panose="02020503020101020101" pitchFamily="18" charset="-127"/>
                 <a:ea typeface="서울남산체 M" panose="02020503020101020101" pitchFamily="18" charset="-127"/>
               </a:rPr>
-              <a:t>주제 정하기</a:t>
+              <a:t>주제</a:t>
+            </a:r>
+            <a:r>
+              <a:rPr lang="en-US" altLang="ko-KR" sz="2800" dirty="0">
+                <a:latin typeface="서울남산체 M" panose="02020503020101020101" pitchFamily="18" charset="-127"/>
+                <a:ea typeface="서울남산체 M" panose="02020503020101020101" pitchFamily="18" charset="-127"/>
+              </a:rPr>
+              <a:t>, dynamic</a:t>
+            </a:r>
+            <a:r>
+              <a:rPr lang="ko-KR" altLang="en-US" sz="2800" dirty="0">
+                <a:latin typeface="서울남산체 M" panose="02020503020101020101" pitchFamily="18" charset="-127"/>
+                <a:ea typeface="서울남산체 M" panose="02020503020101020101" pitchFamily="18" charset="-127"/>
+              </a:rPr>
+              <a:t>함 표현</a:t>
             </a:r>
             <a:endParaRPr lang="en-US" altLang="ko-KR" sz="2800" dirty="0">
               <a:latin typeface="서울남산체 M" panose="02020503020101020101" pitchFamily="18" charset="-127"/>
@@ -5225,12 +7151,15 @@
                 <a:latin typeface="서울남산체 M" panose="02020503020101020101" pitchFamily="18" charset="-127"/>
                 <a:ea typeface="서울남산체 M" panose="02020503020101020101" pitchFamily="18" charset="-127"/>
               </a:rPr>
-              <a:t>알고리즘 구현</a:t>
+              <a:t>알고리즘 구현  </a:t>
             </a:r>
-            <a:endParaRPr lang="en-US" altLang="ko-KR" sz="2800" dirty="0">
-              <a:latin typeface="서울남산체 M" panose="02020503020101020101" pitchFamily="18" charset="-127"/>
-              <a:ea typeface="서울남산체 M" panose="02020503020101020101" pitchFamily="18" charset="-127"/>
-            </a:endParaRPr>
+            <a:r>
+              <a:rPr lang="en-US" altLang="ko-KR" sz="2800" dirty="0">
+                <a:latin typeface="서울남산체 M" panose="02020503020101020101" pitchFamily="18" charset="-127"/>
+                <a:ea typeface="서울남산체 M" panose="02020503020101020101" pitchFamily="18" charset="-127"/>
+              </a:rPr>
+              <a:t>-&gt; Permutation</a:t>
+            </a:r>
           </a:p>
         </p:txBody>
       </p:sp>
@@ -5474,7 +7403,7 @@
 </p:sld>
 </file>
 
-<file path=ppt/slides/slide12.xml><?xml version="1.0" encoding="utf-8"?>
+<file path=ppt/slides/slide17.xml><?xml version="1.0" encoding="utf-8"?>
 <p:sld xmlns:a="http://schemas.openxmlformats.org/drawingml/2006/main" xmlns:r="http://schemas.openxmlformats.org/officeDocument/2006/relationships" xmlns:p="http://schemas.openxmlformats.org/presentationml/2006/main">
   <p:cSld>
     <p:spTree>
@@ -5665,7 +7594,7 @@
 </p:sld>
 </file>
 
-<file path=ppt/slides/slide13.xml><?xml version="1.0" encoding="utf-8"?>
+<file path=ppt/slides/slide18.xml><?xml version="1.0" encoding="utf-8"?>
 <p:sld xmlns:a="http://schemas.openxmlformats.org/drawingml/2006/main" xmlns:r="http://schemas.openxmlformats.org/officeDocument/2006/relationships" xmlns:p="http://schemas.openxmlformats.org/presentationml/2006/main">
   <p:cSld>
     <p:spTree>
@@ -8974,10 +10903,10 @@
       </p:cxnSp>
       <p:pic>
         <p:nvPicPr>
-          <p:cNvPr id="2" name="그림 1">
+          <p:cNvPr id="3" name="그림 2">
             <a:extLst>
               <a:ext uri="{FF2B5EF4-FFF2-40B4-BE49-F238E27FC236}">
-                <a16:creationId xmlns:a16="http://schemas.microsoft.com/office/drawing/2014/main" id="{69C303F5-F9C1-4C8C-9822-52B6F8A539AE}"/>
+                <a16:creationId xmlns:a16="http://schemas.microsoft.com/office/drawing/2014/main" id="{012AE5E1-DF84-4FAA-A8C6-F45089C9771B}"/>
               </a:ext>
             </a:extLst>
           </p:cNvPr>
@@ -8994,38 +10923,8 @@
         </p:blipFill>
         <p:spPr>
           <a:xfrm>
-            <a:off x="0" y="2659079"/>
-            <a:ext cx="9144000" cy="1539842"/>
-          </a:xfrm>
-          <a:prstGeom prst="rect">
-            <a:avLst/>
-          </a:prstGeom>
-        </p:spPr>
-      </p:pic>
-      <p:pic>
-        <p:nvPicPr>
-          <p:cNvPr id="8" name="그림 7">
-            <a:extLst>
-              <a:ext uri="{FF2B5EF4-FFF2-40B4-BE49-F238E27FC236}">
-                <a16:creationId xmlns:a16="http://schemas.microsoft.com/office/drawing/2014/main" id="{12E32DB4-E0A7-4E41-A5F0-FBCCCCDCD4D6}"/>
-              </a:ext>
-            </a:extLst>
-          </p:cNvPr>
-          <p:cNvPicPr>
-            <a:picLocks noChangeAspect="1"/>
-          </p:cNvPicPr>
-          <p:nvPr/>
-        </p:nvPicPr>
-        <p:blipFill>
-          <a:blip r:embed="rId4"/>
-          <a:stretch>
-            <a:fillRect/>
-          </a:stretch>
-        </p:blipFill>
-        <p:spPr>
-          <a:xfrm>
-            <a:off x="1259540" y="1041834"/>
-            <a:ext cx="3143250" cy="3571875"/>
+            <a:off x="1115520" y="1963498"/>
+            <a:ext cx="3164446" cy="2931003"/>
           </a:xfrm>
           <a:prstGeom prst="rect">
             <a:avLst/>
@@ -9035,7 +10934,7 @@
     </p:spTree>
     <p:extLst>
       <p:ext uri="{BB962C8B-B14F-4D97-AF65-F5344CB8AC3E}">
-        <p14:creationId xmlns:p14="http://schemas.microsoft.com/office/powerpoint/2010/main" val="1671617762"/>
+        <p14:creationId xmlns:p14="http://schemas.microsoft.com/office/powerpoint/2010/main" val="3052972058"/>
       </p:ext>
     </p:extLst>
   </p:cSld>
@@ -9054,81 +10953,6 @@
       </p:transition>
     </mc:Fallback>
   </mc:AlternateContent>
-  <p:timing>
-    <p:tnLst>
-      <p:par>
-        <p:cTn id="1" dur="indefinite" restart="never" nodeType="tmRoot">
-          <p:childTnLst>
-            <p:seq concurrent="1" nextAc="seek">
-              <p:cTn id="2" dur="indefinite" nodeType="mainSeq">
-                <p:childTnLst>
-                  <p:par>
-                    <p:cTn id="3" fill="hold">
-                      <p:stCondLst>
-                        <p:cond delay="indefinite"/>
-                      </p:stCondLst>
-                      <p:childTnLst>
-                        <p:par>
-                          <p:cTn id="4" fill="hold">
-                            <p:stCondLst>
-                              <p:cond delay="0"/>
-                            </p:stCondLst>
-                            <p:childTnLst>
-                              <p:par>
-                                <p:cTn id="5" presetID="1" presetClass="entr" presetSubtype="0" fill="hold" nodeType="clickEffect">
-                                  <p:stCondLst>
-                                    <p:cond delay="0"/>
-                                  </p:stCondLst>
-                                  <p:childTnLst>
-                                    <p:set>
-                                      <p:cBhvr>
-                                        <p:cTn id="6" dur="1" fill="hold">
-                                          <p:stCondLst>
-                                            <p:cond delay="0"/>
-                                          </p:stCondLst>
-                                        </p:cTn>
-                                        <p:tgtEl>
-                                          <p:spTgt spid="8"/>
-                                        </p:tgtEl>
-                                        <p:attrNameLst>
-                                          <p:attrName>style.visibility</p:attrName>
-                                        </p:attrNameLst>
-                                      </p:cBhvr>
-                                      <p:to>
-                                        <p:strVal val="visible"/>
-                                      </p:to>
-                                    </p:set>
-                                  </p:childTnLst>
-                                </p:cTn>
-                              </p:par>
-                            </p:childTnLst>
-                          </p:cTn>
-                        </p:par>
-                      </p:childTnLst>
-                    </p:cTn>
-                  </p:par>
-                </p:childTnLst>
-              </p:cTn>
-              <p:prevCondLst>
-                <p:cond evt="onPrev" delay="0">
-                  <p:tgtEl>
-                    <p:sldTgt/>
-                  </p:tgtEl>
-                </p:cond>
-              </p:prevCondLst>
-              <p:nextCondLst>
-                <p:cond evt="onNext" delay="0">
-                  <p:tgtEl>
-                    <p:sldTgt/>
-                  </p:tgtEl>
-                </p:cond>
-              </p:nextCondLst>
-            </p:seq>
-          </p:childTnLst>
-        </p:cTn>
-      </p:par>
-    </p:tnLst>
-  </p:timing>
 </p:sld>
 </file>
 
@@ -9242,7 +11066,7 @@
             <a:lstStyle/>
             <a:p>
               <a:r>
-                <a:rPr lang="ko-KR" altLang="en-US" sz="2200">
+                <a:rPr lang="ko-KR" altLang="en-US" sz="2200" dirty="0">
                   <a:solidFill>
                     <a:schemeClr val="tx1">
                       <a:lumMod val="65000"/>
@@ -9306,12 +11130,141 @@
           </a:fontRef>
         </p:style>
       </p:cxnSp>
+      <p:sp>
+        <p:nvSpPr>
+          <p:cNvPr id="2" name="TextBox 1">
+            <a:extLst>
+              <a:ext uri="{FF2B5EF4-FFF2-40B4-BE49-F238E27FC236}">
+                <a16:creationId xmlns:a16="http://schemas.microsoft.com/office/drawing/2014/main" id="{A25C5362-D540-412A-BB20-68899FF54BCA}"/>
+              </a:ext>
+            </a:extLst>
+          </p:cNvPr>
+          <p:cNvSpPr txBox="1"/>
+          <p:nvPr/>
+        </p:nvSpPr>
+        <p:spPr>
+          <a:xfrm>
+            <a:off x="584059" y="985871"/>
+            <a:ext cx="3032849" cy="523220"/>
+          </a:xfrm>
+          <a:prstGeom prst="rect">
+            <a:avLst/>
+          </a:prstGeom>
+          <a:noFill/>
+        </p:spPr>
+        <p:txBody>
+          <a:bodyPr wrap="square" rtlCol="0">
+            <a:spAutoFit/>
+          </a:bodyPr>
+          <a:lstStyle/>
+          <a:p>
+            <a:r>
+              <a:rPr lang="en-US" altLang="ko-KR" sz="2800" dirty="0" err="1"/>
+              <a:t>Algorithm.class</a:t>
+            </a:r>
+            <a:endParaRPr lang="ko-KR" altLang="en-US" sz="2800" dirty="0"/>
+          </a:p>
+        </p:txBody>
+      </p:sp>
+      <p:sp>
+        <p:nvSpPr>
+          <p:cNvPr id="7" name="TextBox 6">
+            <a:extLst>
+              <a:ext uri="{FF2B5EF4-FFF2-40B4-BE49-F238E27FC236}">
+                <a16:creationId xmlns:a16="http://schemas.microsoft.com/office/drawing/2014/main" id="{353207F0-3F3F-48CA-81CF-7766BE11F5BA}"/>
+              </a:ext>
+            </a:extLst>
+          </p:cNvPr>
+          <p:cNvSpPr txBox="1"/>
+          <p:nvPr/>
+        </p:nvSpPr>
+        <p:spPr>
+          <a:xfrm>
+            <a:off x="747041" y="1859340"/>
+            <a:ext cx="4824670" cy="1569660"/>
+          </a:xfrm>
+          <a:prstGeom prst="rect">
+            <a:avLst/>
+          </a:prstGeom>
+          <a:noFill/>
+        </p:spPr>
+        <p:txBody>
+          <a:bodyPr wrap="square" rtlCol="0">
+            <a:spAutoFit/>
+          </a:bodyPr>
+          <a:lstStyle/>
+          <a:p>
+            <a:r>
+              <a:rPr lang="en-US" altLang="ko-KR" sz="2400" dirty="0">
+                <a:latin typeface="a아메리카노L" panose="02020600000000000000" pitchFamily="18" charset="-127"/>
+                <a:ea typeface="a아메리카노L" panose="02020600000000000000" pitchFamily="18" charset="-127"/>
+              </a:rPr>
+              <a:t>- </a:t>
+            </a:r>
+            <a:r>
+              <a:rPr lang="en-US" altLang="ko-KR" sz="2400" dirty="0" err="1">
+                <a:latin typeface="a아메리카노L" panose="02020600000000000000" pitchFamily="18" charset="-127"/>
+                <a:ea typeface="a아메리카노L" panose="02020600000000000000" pitchFamily="18" charset="-127"/>
+              </a:rPr>
+              <a:t>Cal_time</a:t>
+            </a:r>
+            <a:r>
+              <a:rPr lang="en-US" altLang="ko-KR" sz="2400" dirty="0">
+                <a:latin typeface="a아메리카노L" panose="02020600000000000000" pitchFamily="18" charset="-127"/>
+                <a:ea typeface="a아메리카노L" panose="02020600000000000000" pitchFamily="18" charset="-127"/>
+              </a:rPr>
+              <a:t>()</a:t>
+            </a:r>
+          </a:p>
+          <a:p>
+            <a:r>
+              <a:rPr lang="en-US" altLang="ko-KR" sz="2400" dirty="0">
+                <a:latin typeface="a아메리카노L" panose="02020600000000000000" pitchFamily="18" charset="-127"/>
+                <a:ea typeface="a아메리카노L" panose="02020600000000000000" pitchFamily="18" charset="-127"/>
+              </a:rPr>
+              <a:t>- Parsing()</a:t>
+            </a:r>
+          </a:p>
+          <a:p>
+            <a:r>
+              <a:rPr lang="en-US" altLang="ko-KR" sz="2400" dirty="0">
+                <a:latin typeface="a아메리카노L" panose="02020600000000000000" pitchFamily="18" charset="-127"/>
+                <a:ea typeface="a아메리카노L" panose="02020600000000000000" pitchFamily="18" charset="-127"/>
+              </a:rPr>
+              <a:t>- </a:t>
+            </a:r>
+            <a:r>
+              <a:rPr lang="en-US" altLang="ko-KR" sz="2400" dirty="0" err="1">
+                <a:latin typeface="a아메리카노L" panose="02020600000000000000" pitchFamily="18" charset="-127"/>
+                <a:ea typeface="a아메리카노L" panose="02020600000000000000" pitchFamily="18" charset="-127"/>
+              </a:rPr>
+              <a:t>optimumRoute</a:t>
+            </a:r>
+            <a:r>
+              <a:rPr lang="en-US" altLang="ko-KR" sz="2400" dirty="0">
+                <a:latin typeface="a아메리카노L" panose="02020600000000000000" pitchFamily="18" charset="-127"/>
+                <a:ea typeface="a아메리카노L" panose="02020600000000000000" pitchFamily="18" charset="-127"/>
+              </a:rPr>
+              <a:t>()</a:t>
+            </a:r>
+          </a:p>
+          <a:p>
+            <a:r>
+              <a:rPr lang="en-US" altLang="ko-KR" sz="2400" dirty="0">
+                <a:latin typeface="a아메리카노L" panose="02020600000000000000" pitchFamily="18" charset="-127"/>
+                <a:ea typeface="a아메리카노L" panose="02020600000000000000" pitchFamily="18" charset="-127"/>
+              </a:rPr>
+              <a:t>- Perm()</a:t>
+            </a:r>
+          </a:p>
+        </p:txBody>
+      </p:sp>
       <p:pic>
         <p:nvPicPr>
-          <p:cNvPr id="3" name="그림 2">
+          <p:cNvPr id="9" name="그림 8">
             <a:extLst>
               <a:ext uri="{FF2B5EF4-FFF2-40B4-BE49-F238E27FC236}">
-                <a16:creationId xmlns:a16="http://schemas.microsoft.com/office/drawing/2014/main" id="{83D67A13-6A93-4EB8-89D9-88BFF29F0056}"/>
+                <a16:creationId xmlns:a16="http://schemas.microsoft.com/office/drawing/2014/main" id="{2486D09A-79A6-49C8-BED8-69BA0F07B9DE}"/>
               </a:ext>
             </a:extLst>
           </p:cNvPr>
@@ -9328,8 +11281,38 @@
         </p:blipFill>
         <p:spPr>
           <a:xfrm>
-            <a:off x="583" y="1196690"/>
-            <a:ext cx="9144000" cy="5140990"/>
+            <a:off x="13544" y="5036395"/>
+            <a:ext cx="9144000" cy="1539842"/>
+          </a:xfrm>
+          <a:prstGeom prst="rect">
+            <a:avLst/>
+          </a:prstGeom>
+        </p:spPr>
+      </p:pic>
+      <p:pic>
+        <p:nvPicPr>
+          <p:cNvPr id="8" name="그림 7">
+            <a:extLst>
+              <a:ext uri="{FF2B5EF4-FFF2-40B4-BE49-F238E27FC236}">
+                <a16:creationId xmlns:a16="http://schemas.microsoft.com/office/drawing/2014/main" id="{FD35271F-FF0A-4C04-9F55-449654C5890E}"/>
+              </a:ext>
+            </a:extLst>
+          </p:cNvPr>
+          <p:cNvPicPr>
+            <a:picLocks noChangeAspect="1"/>
+          </p:cNvPicPr>
+          <p:nvPr/>
+        </p:nvPicPr>
+        <p:blipFill>
+          <a:blip r:embed="rId4"/>
+          <a:stretch>
+            <a:fillRect/>
+          </a:stretch>
+        </p:blipFill>
+        <p:spPr>
+          <a:xfrm>
+            <a:off x="378169" y="4077090"/>
+            <a:ext cx="8414750" cy="857250"/>
           </a:xfrm>
           <a:prstGeom prst="rect">
             <a:avLst/>
@@ -9339,7 +11322,7 @@
     </p:spTree>
     <p:extLst>
       <p:ext uri="{BB962C8B-B14F-4D97-AF65-F5344CB8AC3E}">
-        <p14:creationId xmlns:p14="http://schemas.microsoft.com/office/powerpoint/2010/main" val="2105592294"/>
+        <p14:creationId xmlns:p14="http://schemas.microsoft.com/office/powerpoint/2010/main" val="1078988133"/>
       </p:ext>
     </p:extLst>
   </p:cSld>
@@ -9358,6 +11341,126 @@
       </p:transition>
     </mc:Fallback>
   </mc:AlternateContent>
+  <p:timing>
+    <p:tnLst>
+      <p:par>
+        <p:cTn id="1" dur="indefinite" restart="never" nodeType="tmRoot">
+          <p:childTnLst>
+            <p:seq concurrent="1" nextAc="seek">
+              <p:cTn id="2" dur="indefinite" nodeType="mainSeq">
+                <p:childTnLst>
+                  <p:par>
+                    <p:cTn id="3" fill="hold">
+                      <p:stCondLst>
+                        <p:cond delay="indefinite"/>
+                      </p:stCondLst>
+                      <p:childTnLst>
+                        <p:par>
+                          <p:cTn id="4" fill="hold">
+                            <p:stCondLst>
+                              <p:cond delay="0"/>
+                            </p:stCondLst>
+                            <p:childTnLst>
+                              <p:par>
+                                <p:cTn id="5" presetID="1" presetClass="entr" presetSubtype="0" fill="hold" nodeType="clickEffect">
+                                  <p:stCondLst>
+                                    <p:cond delay="0"/>
+                                  </p:stCondLst>
+                                  <p:childTnLst>
+                                    <p:set>
+                                      <p:cBhvr>
+                                        <p:cTn id="6" dur="1" fill="hold">
+                                          <p:stCondLst>
+                                            <p:cond delay="0"/>
+                                          </p:stCondLst>
+                                        </p:cTn>
+                                        <p:tgtEl>
+                                          <p:spTgt spid="8"/>
+                                        </p:tgtEl>
+                                        <p:attrNameLst>
+                                          <p:attrName>style.visibility</p:attrName>
+                                        </p:attrNameLst>
+                                      </p:cBhvr>
+                                      <p:to>
+                                        <p:strVal val="visible"/>
+                                      </p:to>
+                                    </p:set>
+                                  </p:childTnLst>
+                                </p:cTn>
+                              </p:par>
+                            </p:childTnLst>
+                          </p:cTn>
+                        </p:par>
+                      </p:childTnLst>
+                    </p:cTn>
+                  </p:par>
+                  <p:par>
+                    <p:cTn id="7" fill="hold">
+                      <p:stCondLst>
+                        <p:cond delay="indefinite"/>
+                      </p:stCondLst>
+                      <p:childTnLst>
+                        <p:par>
+                          <p:cTn id="8" fill="hold">
+                            <p:stCondLst>
+                              <p:cond delay="0"/>
+                            </p:stCondLst>
+                            <p:childTnLst>
+                              <p:par>
+                                <p:cTn id="9" presetID="1" presetClass="entr" presetSubtype="0" fill="hold" nodeType="clickEffect">
+                                  <p:stCondLst>
+                                    <p:cond delay="0"/>
+                                  </p:stCondLst>
+                                  <p:childTnLst>
+                                    <p:set>
+                                      <p:cBhvr>
+                                        <p:cTn id="10" dur="1" fill="hold">
+                                          <p:stCondLst>
+                                            <p:cond delay="0"/>
+                                          </p:stCondLst>
+                                        </p:cTn>
+                                        <p:tgtEl>
+                                          <p:spTgt spid="9"/>
+                                        </p:tgtEl>
+                                        <p:attrNameLst>
+                                          <p:attrName>style.visibility</p:attrName>
+                                        </p:attrNameLst>
+                                      </p:cBhvr>
+                                      <p:to>
+                                        <p:strVal val="visible"/>
+                                      </p:to>
+                                    </p:set>
+                                  </p:childTnLst>
+                                </p:cTn>
+                              </p:par>
+                            </p:childTnLst>
+                          </p:cTn>
+                        </p:par>
+                      </p:childTnLst>
+                    </p:cTn>
+                  </p:par>
+                </p:childTnLst>
+              </p:cTn>
+              <p:prevCondLst>
+                <p:cond evt="onPrev" delay="0">
+                  <p:tgtEl>
+                    <p:sldTgt/>
+                  </p:tgtEl>
+                </p:cond>
+              </p:prevCondLst>
+              <p:nextCondLst>
+                <p:cond evt="onNext" delay="0">
+                  <p:tgtEl>
+                    <p:sldTgt/>
+                  </p:tgtEl>
+                </p:cond>
+              </p:nextCondLst>
+            </p:seq>
+          </p:childTnLst>
+        </p:cTn>
+      </p:par>
+    </p:tnLst>
+  </p:timing>
 </p:sld>
 </file>
 
@@ -9378,6 +11481,125 @@
           <a:chExt cx="0" cy="0"/>
         </a:xfrm>
       </p:grpSpPr>
+      <p:grpSp>
+        <p:nvGrpSpPr>
+          <p:cNvPr id="4" name="그룹 3"/>
+          <p:cNvGrpSpPr/>
+          <p:nvPr/>
+        </p:nvGrpSpPr>
+        <p:grpSpPr>
+          <a:xfrm>
+            <a:off x="313580" y="217255"/>
+            <a:ext cx="1801651" cy="433840"/>
+            <a:chOff x="313580" y="217255"/>
+            <a:chExt cx="1801651" cy="433840"/>
+          </a:xfrm>
+        </p:grpSpPr>
+        <p:sp>
+          <p:nvSpPr>
+            <p:cNvPr id="5" name="TextBox 4"/>
+            <p:cNvSpPr txBox="1"/>
+            <p:nvPr/>
+          </p:nvSpPr>
+          <p:spPr>
+            <a:xfrm>
+              <a:off x="313580" y="281763"/>
+              <a:ext cx="577402" cy="369332"/>
+            </a:xfrm>
+            <a:prstGeom prst="rect">
+              <a:avLst/>
+            </a:prstGeom>
+            <a:noFill/>
+            <a:ln>
+              <a:noFill/>
+            </a:ln>
+            <a:effectLst>
+              <a:outerShdw blurRad="50800" dist="50800" dir="5400000" sx="1000" sy="1000" algn="ctr" rotWithShape="0">
+                <a:srgbClr val="000000"/>
+              </a:outerShdw>
+            </a:effectLst>
+          </p:spPr>
+          <p:txBody>
+            <a:bodyPr wrap="none" rtlCol="0">
+              <a:spAutoFit/>
+            </a:bodyPr>
+            <a:lstStyle/>
+            <a:p>
+              <a:r>
+                <a:rPr lang="en-US" altLang="ko-KR" dirty="0">
+                  <a:solidFill>
+                    <a:schemeClr val="tx1">
+                      <a:lumMod val="65000"/>
+                      <a:lumOff val="35000"/>
+                    </a:schemeClr>
+                  </a:solidFill>
+                  <a:latin typeface="Noto Sans CJK SC Bold" pitchFamily="34" charset="-127"/>
+                  <a:ea typeface="Noto Sans CJK SC Bold" pitchFamily="34" charset="-127"/>
+                </a:rPr>
+                <a:t>#02</a:t>
+              </a:r>
+              <a:endParaRPr lang="ko-KR" altLang="en-US" dirty="0">
+                <a:solidFill>
+                  <a:schemeClr val="tx1">
+                    <a:lumMod val="65000"/>
+                    <a:lumOff val="35000"/>
+                  </a:schemeClr>
+                </a:solidFill>
+                <a:latin typeface="Noto Sans CJK SC Bold" pitchFamily="34" charset="-127"/>
+                <a:ea typeface="Noto Sans CJK SC Bold" pitchFamily="34" charset="-127"/>
+              </a:endParaRPr>
+            </a:p>
+          </p:txBody>
+        </p:sp>
+        <p:sp>
+          <p:nvSpPr>
+            <p:cNvPr id="6" name="TextBox 5"/>
+            <p:cNvSpPr txBox="1"/>
+            <p:nvPr/>
+          </p:nvSpPr>
+          <p:spPr>
+            <a:xfrm>
+              <a:off x="747041" y="217255"/>
+              <a:ext cx="1368190" cy="430887"/>
+            </a:xfrm>
+            <a:prstGeom prst="rect">
+              <a:avLst/>
+            </a:prstGeom>
+            <a:noFill/>
+          </p:spPr>
+          <p:txBody>
+            <a:bodyPr wrap="square" rtlCol="0">
+              <a:spAutoFit/>
+            </a:bodyPr>
+            <a:lstStyle/>
+            <a:p>
+              <a:r>
+                <a:rPr lang="ko-KR" altLang="en-US" sz="2200" dirty="0">
+                  <a:solidFill>
+                    <a:schemeClr val="tx1">
+                      <a:lumMod val="65000"/>
+                      <a:lumOff val="35000"/>
+                    </a:schemeClr>
+                  </a:solidFill>
+                  <a:latin typeface="다음_Regular" panose="02000603060000000000" pitchFamily="2" charset="-127"/>
+                  <a:ea typeface="다음_Regular" panose="02000603060000000000" pitchFamily="2" charset="-127"/>
+                </a:rPr>
+                <a:t>구현</a:t>
+              </a:r>
+              <a:endParaRPr lang="en-US" altLang="ko-KR" sz="2200" dirty="0">
+                <a:solidFill>
+                  <a:schemeClr val="tx1">
+                    <a:lumMod val="65000"/>
+                    <a:lumOff val="35000"/>
+                  </a:schemeClr>
+                </a:solidFill>
+                <a:latin typeface="다음_Regular" panose="02000603060000000000" pitchFamily="2" charset="-127"/>
+                <a:ea typeface="다음_Regular" panose="02000603060000000000" pitchFamily="2" charset="-127"/>
+              </a:endParaRPr>
+            </a:p>
+          </p:txBody>
+        </p:sp>
+      </p:grpSp>
       <p:cxnSp>
         <p:nvCxnSpPr>
           <p:cNvPr id="13" name="직선 연결선 12"/>
@@ -9386,7 +11608,7 @@
         </p:nvCxnSpPr>
         <p:spPr>
           <a:xfrm flipV="1">
-            <a:off x="330632" y="908650"/>
+            <a:off x="333830" y="651095"/>
             <a:ext cx="8414750" cy="21407"/>
           </a:xfrm>
           <a:prstGeom prst="line">
@@ -9416,168 +11638,164 @@
           </a:fontRef>
         </p:style>
       </p:cxnSp>
-      <p:grpSp>
-        <p:nvGrpSpPr>
-          <p:cNvPr id="20" name="그룹 19"/>
-          <p:cNvGrpSpPr/>
-          <p:nvPr/>
-        </p:nvGrpSpPr>
-        <p:grpSpPr>
-          <a:xfrm>
-            <a:off x="365027" y="377189"/>
-            <a:ext cx="2072209" cy="523220"/>
-            <a:chOff x="365027" y="377189"/>
-            <a:chExt cx="2072209" cy="523220"/>
-          </a:xfrm>
-        </p:grpSpPr>
-        <p:sp>
-          <p:nvSpPr>
-            <p:cNvPr id="21" name="TextBox 20"/>
-            <p:cNvSpPr txBox="1"/>
-            <p:nvPr/>
-          </p:nvSpPr>
-          <p:spPr>
-            <a:xfrm>
-              <a:off x="365027" y="430503"/>
-              <a:ext cx="710451" cy="461665"/>
-            </a:xfrm>
-            <a:prstGeom prst="rect">
-              <a:avLst/>
-            </a:prstGeom>
-            <a:noFill/>
-            <a:ln>
-              <a:noFill/>
-            </a:ln>
-            <a:effectLst>
-              <a:outerShdw blurRad="50800" dist="50800" dir="5400000" sx="1000" sy="1000" algn="ctr" rotWithShape="0">
-                <a:srgbClr val="000000"/>
-              </a:outerShdw>
-            </a:effectLst>
-          </p:spPr>
-          <p:txBody>
-            <a:bodyPr wrap="none" rtlCol="0">
-              <a:spAutoFit/>
-            </a:bodyPr>
-            <a:lstStyle/>
-            <a:p>
-              <a:r>
-                <a:rPr lang="en-US" altLang="ko-KR" sz="2400" dirty="0">
-                  <a:solidFill>
-                    <a:schemeClr val="tx1">
-                      <a:lumMod val="65000"/>
-                      <a:lumOff val="35000"/>
-                    </a:schemeClr>
-                  </a:solidFill>
-                  <a:latin typeface="Noto Sans CJK SC Bold" pitchFamily="34" charset="-127"/>
-                  <a:ea typeface="Noto Sans CJK SC Bold" pitchFamily="34" charset="-127"/>
-                </a:rPr>
-                <a:t>#02</a:t>
-              </a:r>
-              <a:endParaRPr lang="ko-KR" altLang="en-US" sz="2400" dirty="0">
-                <a:solidFill>
-                  <a:schemeClr val="tx1">
-                    <a:lumMod val="65000"/>
-                    <a:lumOff val="35000"/>
-                  </a:schemeClr>
-                </a:solidFill>
-                <a:latin typeface="Noto Sans CJK SC Bold" pitchFamily="34" charset="-127"/>
-                <a:ea typeface="Noto Sans CJK SC Bold" pitchFamily="34" charset="-127"/>
-              </a:endParaRPr>
-            </a:p>
-          </p:txBody>
-        </p:sp>
-        <p:sp>
-          <p:nvSpPr>
-            <p:cNvPr id="22" name="TextBox 21"/>
-            <p:cNvSpPr txBox="1"/>
-            <p:nvPr/>
-          </p:nvSpPr>
-          <p:spPr>
-            <a:xfrm>
-              <a:off x="1069046" y="377189"/>
-              <a:ext cx="1368190" cy="523220"/>
-            </a:xfrm>
-            <a:prstGeom prst="rect">
-              <a:avLst/>
-            </a:prstGeom>
-            <a:noFill/>
-          </p:spPr>
-          <p:txBody>
-            <a:bodyPr wrap="square" rtlCol="0">
-              <a:spAutoFit/>
-            </a:bodyPr>
-            <a:lstStyle/>
-            <a:p>
-              <a:r>
-                <a:rPr lang="ko-KR" altLang="en-US" sz="2800" dirty="0">
-                  <a:solidFill>
-                    <a:schemeClr val="tx1">
-                      <a:lumMod val="65000"/>
-                      <a:lumOff val="35000"/>
-                    </a:schemeClr>
-                  </a:solidFill>
-                  <a:latin typeface="다음_Regular" panose="02000603060000000000" pitchFamily="2" charset="-127"/>
-                  <a:ea typeface="다음_Regular" panose="02000603060000000000" pitchFamily="2" charset="-127"/>
-                </a:rPr>
-                <a:t>구현</a:t>
-              </a:r>
-              <a:endParaRPr lang="en-US" altLang="ko-KR" sz="2800" dirty="0">
-                <a:solidFill>
-                  <a:schemeClr val="tx1">
-                    <a:lumMod val="65000"/>
-                    <a:lumOff val="35000"/>
-                  </a:schemeClr>
-                </a:solidFill>
-                <a:latin typeface="다음_Regular" panose="02000603060000000000" pitchFamily="2" charset="-127"/>
-                <a:ea typeface="다음_Regular" panose="02000603060000000000" pitchFamily="2" charset="-127"/>
-              </a:endParaRPr>
-            </a:p>
-          </p:txBody>
-        </p:sp>
-      </p:grpSp>
-      <p:pic>
-        <p:nvPicPr>
-          <p:cNvPr id="4" name="그림 3">
+      <p:sp>
+        <p:nvSpPr>
+          <p:cNvPr id="2" name="TextBox 1">
             <a:extLst>
               <a:ext uri="{FF2B5EF4-FFF2-40B4-BE49-F238E27FC236}">
-                <a16:creationId xmlns:a16="http://schemas.microsoft.com/office/drawing/2014/main" id="{A6CF839B-BEA9-499D-96AD-D9D36F72359F}"/>
+                <a16:creationId xmlns:a16="http://schemas.microsoft.com/office/drawing/2014/main" id="{A25C5362-D540-412A-BB20-68899FF54BCA}"/>
               </a:ext>
             </a:extLst>
           </p:cNvPr>
-          <p:cNvPicPr>
-            <a:picLocks noChangeAspect="1"/>
-          </p:cNvPicPr>
+          <p:cNvSpPr txBox="1"/>
           <p:nvPr/>
-        </p:nvPicPr>
-        <p:blipFill>
-          <a:blip r:embed="rId3"/>
-          <a:stretch>
-            <a:fillRect/>
-          </a:stretch>
-        </p:blipFill>
+        </p:nvSpPr>
         <p:spPr>
           <a:xfrm>
-            <a:off x="666079" y="1124680"/>
-            <a:ext cx="7772400" cy="6076950"/>
+            <a:off x="584059" y="985871"/>
+            <a:ext cx="3032849" cy="523220"/>
           </a:xfrm>
           <a:prstGeom prst="rect">
             <a:avLst/>
           </a:prstGeom>
+          <a:noFill/>
         </p:spPr>
-      </p:pic>
+        <p:txBody>
+          <a:bodyPr wrap="square" rtlCol="0">
+            <a:spAutoFit/>
+          </a:bodyPr>
+          <a:lstStyle/>
+          <a:p>
+            <a:r>
+              <a:rPr lang="en-US" altLang="ko-KR" sz="2800" dirty="0" err="1"/>
+              <a:t>FxFrame.class</a:t>
+            </a:r>
+            <a:endParaRPr lang="ko-KR" altLang="en-US" sz="2800" dirty="0"/>
+          </a:p>
+        </p:txBody>
+      </p:sp>
+      <p:sp>
+        <p:nvSpPr>
+          <p:cNvPr id="3" name="TextBox 2">
+            <a:extLst>
+              <a:ext uri="{FF2B5EF4-FFF2-40B4-BE49-F238E27FC236}">
+                <a16:creationId xmlns:a16="http://schemas.microsoft.com/office/drawing/2014/main" id="{6ED06BBC-B3EC-4577-A388-99D03153B22A}"/>
+              </a:ext>
+            </a:extLst>
+          </p:cNvPr>
+          <p:cNvSpPr txBox="1"/>
+          <p:nvPr/>
+        </p:nvSpPr>
+        <p:spPr>
+          <a:xfrm>
+            <a:off x="1259540" y="1988800"/>
+            <a:ext cx="4320600" cy="2554545"/>
+          </a:xfrm>
+          <a:prstGeom prst="rect">
+            <a:avLst/>
+          </a:prstGeom>
+          <a:noFill/>
+        </p:spPr>
+        <p:txBody>
+          <a:bodyPr wrap="square" rtlCol="0">
+            <a:spAutoFit/>
+          </a:bodyPr>
+          <a:lstStyle/>
+          <a:p>
+            <a:r>
+              <a:rPr lang="en-US" altLang="ko-KR" sz="3200" dirty="0">
+                <a:latin typeface="a아메리카노L" panose="02020600000000000000" pitchFamily="18" charset="-127"/>
+                <a:ea typeface="a아메리카노L" panose="02020600000000000000" pitchFamily="18" charset="-127"/>
+              </a:rPr>
+              <a:t>- Frame()</a:t>
+            </a:r>
+          </a:p>
+          <a:p>
+            <a:endParaRPr lang="en-US" altLang="ko-KR" sz="3200" dirty="0">
+              <a:latin typeface="a아메리카노L" panose="02020600000000000000" pitchFamily="18" charset="-127"/>
+              <a:ea typeface="a아메리카노L" panose="02020600000000000000" pitchFamily="18" charset="-127"/>
+            </a:endParaRPr>
+          </a:p>
+          <a:p>
+            <a:r>
+              <a:rPr lang="en-US" altLang="ko-KR" sz="3200" dirty="0">
+                <a:latin typeface="a아메리카노L" panose="02020600000000000000" pitchFamily="18" charset="-127"/>
+                <a:ea typeface="a아메리카노L" panose="02020600000000000000" pitchFamily="18" charset="-127"/>
+              </a:rPr>
+              <a:t>- </a:t>
+            </a:r>
+            <a:r>
+              <a:rPr lang="en-US" altLang="ko-KR" sz="3200" dirty="0" err="1">
+                <a:latin typeface="a아메리카노L" panose="02020600000000000000" pitchFamily="18" charset="-127"/>
+                <a:ea typeface="a아메리카노L" panose="02020600000000000000" pitchFamily="18" charset="-127"/>
+              </a:rPr>
+              <a:t>SearchAPI</a:t>
+            </a:r>
+            <a:r>
+              <a:rPr lang="en-US" altLang="ko-KR" sz="3200" dirty="0">
+                <a:latin typeface="a아메리카노L" panose="02020600000000000000" pitchFamily="18" charset="-127"/>
+                <a:ea typeface="a아메리카노L" panose="02020600000000000000" pitchFamily="18" charset="-127"/>
+              </a:rPr>
+              <a:t>()</a:t>
+            </a:r>
+          </a:p>
+          <a:p>
+            <a:endParaRPr lang="en-US" altLang="ko-KR" sz="3200" dirty="0">
+              <a:latin typeface="a아메리카노L" panose="02020600000000000000" pitchFamily="18" charset="-127"/>
+              <a:ea typeface="a아메리카노L" panose="02020600000000000000" pitchFamily="18" charset="-127"/>
+            </a:endParaRPr>
+          </a:p>
+          <a:p>
+            <a:r>
+              <a:rPr lang="en-US" altLang="ko-KR" sz="3200" dirty="0">
+                <a:latin typeface="a아메리카노L" panose="02020600000000000000" pitchFamily="18" charset="-127"/>
+                <a:ea typeface="a아메리카노L" panose="02020600000000000000" pitchFamily="18" charset="-127"/>
+              </a:rPr>
+              <a:t>- </a:t>
+            </a:r>
+            <a:r>
+              <a:rPr lang="en-US" altLang="ko-KR" sz="3200" dirty="0" err="1">
+                <a:latin typeface="a아메리카노L" panose="02020600000000000000" pitchFamily="18" charset="-127"/>
+                <a:ea typeface="a아메리카노L" panose="02020600000000000000" pitchFamily="18" charset="-127"/>
+              </a:rPr>
+              <a:t>removeHTML</a:t>
+            </a:r>
+            <a:r>
+              <a:rPr lang="en-US" altLang="ko-KR" sz="3200" dirty="0">
+                <a:latin typeface="a아메리카노L" panose="02020600000000000000" pitchFamily="18" charset="-127"/>
+                <a:ea typeface="a아메리카노L" panose="02020600000000000000" pitchFamily="18" charset="-127"/>
+              </a:rPr>
+              <a:t>()</a:t>
+            </a:r>
+            <a:endParaRPr lang="ko-KR" altLang="en-US" sz="3200" dirty="0">
+              <a:latin typeface="a아메리카노L" panose="02020600000000000000" pitchFamily="18" charset="-127"/>
+              <a:ea typeface="a아메리카노L" panose="02020600000000000000" pitchFamily="18" charset="-127"/>
+            </a:endParaRPr>
+          </a:p>
+        </p:txBody>
+      </p:sp>
     </p:spTree>
     <p:extLst>
       <p:ext uri="{BB962C8B-B14F-4D97-AF65-F5344CB8AC3E}">
-        <p14:creationId xmlns:p14="http://schemas.microsoft.com/office/powerpoint/2010/main" val="695641410"/>
+        <p14:creationId xmlns:p14="http://schemas.microsoft.com/office/powerpoint/2010/main" val="916645714"/>
       </p:ext>
     </p:extLst>
   </p:cSld>
   <p:clrMapOvr>
     <a:masterClrMapping/>
   </p:clrMapOvr>
-  <p:transition spd="slow">
-    <p:wipe/>
-  </p:transition>
+  <mc:AlternateContent xmlns:mc="http://schemas.openxmlformats.org/markup-compatibility/2006" xmlns:p14="http://schemas.microsoft.com/office/powerpoint/2010/main">
+    <mc:Choice Requires="p14">
+      <p:transition spd="med" p14:dur="700">
+        <p:fade/>
+      </p:transition>
+    </mc:Choice>
+    <mc:Fallback xmlns="">
+      <p:transition spd="med">
+        <p:fade/>
+      </p:transition>
+    </mc:Fallback>
+  </mc:AlternateContent>
 </p:sld>
 </file>
 
@@ -9691,7 +11909,7 @@
             <a:lstStyle/>
             <a:p>
               <a:r>
-                <a:rPr lang="ko-KR" altLang="en-US" sz="2200">
+                <a:rPr lang="ko-KR" altLang="en-US" sz="2200" dirty="0">
                   <a:solidFill>
                     <a:schemeClr val="tx1">
                       <a:lumMod val="65000"/>
@@ -9755,12 +11973,122 @@
           </a:fontRef>
         </p:style>
       </p:cxnSp>
+      <p:sp>
+        <p:nvSpPr>
+          <p:cNvPr id="2" name="TextBox 1">
+            <a:extLst>
+              <a:ext uri="{FF2B5EF4-FFF2-40B4-BE49-F238E27FC236}">
+                <a16:creationId xmlns:a16="http://schemas.microsoft.com/office/drawing/2014/main" id="{A25C5362-D540-412A-BB20-68899FF54BCA}"/>
+              </a:ext>
+            </a:extLst>
+          </p:cNvPr>
+          <p:cNvSpPr txBox="1"/>
+          <p:nvPr/>
+        </p:nvSpPr>
+        <p:spPr>
+          <a:xfrm>
+            <a:off x="584059" y="985871"/>
+            <a:ext cx="3032849" cy="523220"/>
+          </a:xfrm>
+          <a:prstGeom prst="rect">
+            <a:avLst/>
+          </a:prstGeom>
+          <a:noFill/>
+        </p:spPr>
+        <p:txBody>
+          <a:bodyPr wrap="square" rtlCol="0">
+            <a:spAutoFit/>
+          </a:bodyPr>
+          <a:lstStyle/>
+          <a:p>
+            <a:r>
+              <a:rPr lang="en-US" altLang="ko-KR" sz="2800" dirty="0" err="1"/>
+              <a:t>PathList.class</a:t>
+            </a:r>
+            <a:endParaRPr lang="ko-KR" altLang="en-US" sz="2800" dirty="0"/>
+          </a:p>
+        </p:txBody>
+      </p:sp>
+      <p:sp>
+        <p:nvSpPr>
+          <p:cNvPr id="3" name="TextBox 2">
+            <a:extLst>
+              <a:ext uri="{FF2B5EF4-FFF2-40B4-BE49-F238E27FC236}">
+                <a16:creationId xmlns:a16="http://schemas.microsoft.com/office/drawing/2014/main" id="{6ED06BBC-B3EC-4577-A388-99D03153B22A}"/>
+              </a:ext>
+            </a:extLst>
+          </p:cNvPr>
+          <p:cNvSpPr txBox="1"/>
+          <p:nvPr/>
+        </p:nvSpPr>
+        <p:spPr>
+          <a:xfrm>
+            <a:off x="1079515" y="2042783"/>
+            <a:ext cx="6984970" cy="1569660"/>
+          </a:xfrm>
+          <a:prstGeom prst="rect">
+            <a:avLst/>
+          </a:prstGeom>
+          <a:noFill/>
+        </p:spPr>
+        <p:txBody>
+          <a:bodyPr wrap="square" rtlCol="0">
+            <a:spAutoFit/>
+          </a:bodyPr>
+          <a:lstStyle/>
+          <a:p>
+            <a:r>
+              <a:rPr lang="en-US" altLang="ko-KR" sz="3200" dirty="0">
+                <a:latin typeface="a아메리카노L" panose="02020600000000000000" pitchFamily="18" charset="-127"/>
+                <a:ea typeface="a아메리카노L" panose="02020600000000000000" pitchFamily="18" charset="-127"/>
+              </a:rPr>
+              <a:t>Linked List</a:t>
+            </a:r>
+          </a:p>
+          <a:p>
+            <a:endParaRPr lang="en-US" altLang="ko-KR" sz="3200" dirty="0">
+              <a:latin typeface="a아메리카노L" panose="02020600000000000000" pitchFamily="18" charset="-127"/>
+              <a:ea typeface="a아메리카노L" panose="02020600000000000000" pitchFamily="18" charset="-127"/>
+            </a:endParaRPr>
+          </a:p>
+          <a:p>
+            <a:r>
+              <a:rPr lang="en-US" altLang="ko-KR" sz="3200" dirty="0">
+                <a:latin typeface="a아메리카노L" panose="02020600000000000000" pitchFamily="18" charset="-127"/>
+                <a:ea typeface="a아메리카노L" panose="02020600000000000000" pitchFamily="18" charset="-127"/>
+              </a:rPr>
+              <a:t>Node</a:t>
+            </a:r>
+            <a:r>
+              <a:rPr lang="ko-KR" altLang="en-US" sz="3200" dirty="0">
+                <a:latin typeface="a아메리카노L" panose="02020600000000000000" pitchFamily="18" charset="-127"/>
+                <a:ea typeface="a아메리카노L" panose="02020600000000000000" pitchFamily="18" charset="-127"/>
+              </a:rPr>
+              <a:t>와 </a:t>
+            </a:r>
+            <a:r>
+              <a:rPr lang="en-US" altLang="ko-KR" sz="3200" dirty="0">
+                <a:latin typeface="a아메리카노L" panose="02020600000000000000" pitchFamily="18" charset="-127"/>
+                <a:ea typeface="a아메리카노L" panose="02020600000000000000" pitchFamily="18" charset="-127"/>
+              </a:rPr>
+              <a:t>edge</a:t>
+            </a:r>
+            <a:r>
+              <a:rPr lang="ko-KR" altLang="en-US" sz="3200" dirty="0">
+                <a:latin typeface="a아메리카노L" panose="02020600000000000000" pitchFamily="18" charset="-127"/>
+                <a:ea typeface="a아메리카노L" panose="02020600000000000000" pitchFamily="18" charset="-127"/>
+              </a:rPr>
+              <a:t>에 관한 정보를 담음</a:t>
+            </a:r>
+          </a:p>
+        </p:txBody>
+      </p:sp>
       <p:pic>
         <p:nvPicPr>
-          <p:cNvPr id="3" name="그림 2">
+          <p:cNvPr id="7" name="그림 6">
             <a:extLst>
               <a:ext uri="{FF2B5EF4-FFF2-40B4-BE49-F238E27FC236}">
-                <a16:creationId xmlns:a16="http://schemas.microsoft.com/office/drawing/2014/main" id="{E9BB236C-0E39-4798-B5C1-80A56E242B41}"/>
+                <a16:creationId xmlns:a16="http://schemas.microsoft.com/office/drawing/2014/main" id="{0BC8D24F-DBD1-41D9-9C9E-EC31304C4963}"/>
               </a:ext>
             </a:extLst>
           </p:cNvPr>
@@ -9777,68 +12105,8 @@
         </p:blipFill>
         <p:spPr>
           <a:xfrm>
-            <a:off x="1516698" y="2132820"/>
-            <a:ext cx="2636548" cy="1296180"/>
-          </a:xfrm>
-          <a:prstGeom prst="rect">
-            <a:avLst/>
-          </a:prstGeom>
-        </p:spPr>
-      </p:pic>
-      <p:pic>
-        <p:nvPicPr>
-          <p:cNvPr id="8" name="그림 7">
-            <a:extLst>
-              <a:ext uri="{FF2B5EF4-FFF2-40B4-BE49-F238E27FC236}">
-                <a16:creationId xmlns:a16="http://schemas.microsoft.com/office/drawing/2014/main" id="{53D3CD17-1D98-46EE-B3F2-222C21B15A70}"/>
-              </a:ext>
-            </a:extLst>
-          </p:cNvPr>
-          <p:cNvPicPr>
-            <a:picLocks noChangeAspect="1"/>
-          </p:cNvPicPr>
-          <p:nvPr/>
-        </p:nvPicPr>
-        <p:blipFill>
-          <a:blip r:embed="rId4"/>
-          <a:stretch>
-            <a:fillRect/>
-          </a:stretch>
-        </p:blipFill>
-        <p:spPr>
-          <a:xfrm>
-            <a:off x="4458166" y="2275423"/>
-            <a:ext cx="2863048" cy="1440200"/>
-          </a:xfrm>
-          <a:prstGeom prst="rect">
-            <a:avLst/>
-          </a:prstGeom>
-        </p:spPr>
-      </p:pic>
-      <p:pic>
-        <p:nvPicPr>
-          <p:cNvPr id="12" name="그림 11">
-            <a:extLst>
-              <a:ext uri="{FF2B5EF4-FFF2-40B4-BE49-F238E27FC236}">
-                <a16:creationId xmlns:a16="http://schemas.microsoft.com/office/drawing/2014/main" id="{9BE3CB06-FECF-4BC8-818D-63E29BC89647}"/>
-              </a:ext>
-            </a:extLst>
-          </p:cNvPr>
-          <p:cNvPicPr>
-            <a:picLocks noChangeAspect="1"/>
-          </p:cNvPicPr>
-          <p:nvPr/>
-        </p:nvPicPr>
-        <p:blipFill>
-          <a:blip r:embed="rId5"/>
-          <a:stretch>
-            <a:fillRect/>
-          </a:stretch>
-        </p:blipFill>
-        <p:spPr>
-          <a:xfrm>
-            <a:off x="1516698" y="648142"/>
-            <a:ext cx="6110603" cy="6110603"/>
+            <a:off x="1079515" y="3717040"/>
+            <a:ext cx="6444895" cy="2304320"/>
           </a:xfrm>
           <a:prstGeom prst="rect">
             <a:avLst/>
@@ -9848,7 +12116,7 @@
     </p:spTree>
     <p:extLst>
       <p:ext uri="{BB962C8B-B14F-4D97-AF65-F5344CB8AC3E}">
-        <p14:creationId xmlns:p14="http://schemas.microsoft.com/office/powerpoint/2010/main" val="2984667788"/>
+        <p14:creationId xmlns:p14="http://schemas.microsoft.com/office/powerpoint/2010/main" val="2137228332"/>
       </p:ext>
     </p:extLst>
   </p:cSld>
@@ -9867,81 +12135,6 @@
       </p:transition>
     </mc:Fallback>
   </mc:AlternateContent>
-  <p:timing>
-    <p:tnLst>
-      <p:par>
-        <p:cTn id="1" dur="indefinite" restart="never" nodeType="tmRoot">
-          <p:childTnLst>
-            <p:seq concurrent="1" nextAc="seek">
-              <p:cTn id="2" dur="indefinite" nodeType="mainSeq">
-                <p:childTnLst>
-                  <p:par>
-                    <p:cTn id="3" fill="hold">
-                      <p:stCondLst>
-                        <p:cond delay="indefinite"/>
-                      </p:stCondLst>
-                      <p:childTnLst>
-                        <p:par>
-                          <p:cTn id="4" fill="hold">
-                            <p:stCondLst>
-                              <p:cond delay="0"/>
-                            </p:stCondLst>
-                            <p:childTnLst>
-                              <p:par>
-                                <p:cTn id="5" presetID="1" presetClass="entr" presetSubtype="0" fill="hold" nodeType="clickEffect">
-                                  <p:stCondLst>
-                                    <p:cond delay="0"/>
-                                  </p:stCondLst>
-                                  <p:childTnLst>
-                                    <p:set>
-                                      <p:cBhvr>
-                                        <p:cTn id="6" dur="1" fill="hold">
-                                          <p:stCondLst>
-                                            <p:cond delay="0"/>
-                                          </p:stCondLst>
-                                        </p:cTn>
-                                        <p:tgtEl>
-                                          <p:spTgt spid="12"/>
-                                        </p:tgtEl>
-                                        <p:attrNameLst>
-                                          <p:attrName>style.visibility</p:attrName>
-                                        </p:attrNameLst>
-                                      </p:cBhvr>
-                                      <p:to>
-                                        <p:strVal val="visible"/>
-                                      </p:to>
-                                    </p:set>
-                                  </p:childTnLst>
-                                </p:cTn>
-                              </p:par>
-                            </p:childTnLst>
-                          </p:cTn>
-                        </p:par>
-                      </p:childTnLst>
-                    </p:cTn>
-                  </p:par>
-                </p:childTnLst>
-              </p:cTn>
-              <p:prevCondLst>
-                <p:cond evt="onPrev" delay="0">
-                  <p:tgtEl>
-                    <p:sldTgt/>
-                  </p:tgtEl>
-                </p:cond>
-              </p:prevCondLst>
-              <p:nextCondLst>
-                <p:cond evt="onNext" delay="0">
-                  <p:tgtEl>
-                    <p:sldTgt/>
-                  </p:tgtEl>
-                </p:cond>
-              </p:nextCondLst>
-            </p:seq>
-          </p:childTnLst>
-        </p:cTn>
-      </p:par>
-    </p:tnLst>
-  </p:timing>
 </p:sld>
 </file>
 

--- a/자구발표7주차.pptx
+++ b/자구발표7주차.pptx
@@ -4772,7 +4772,7 @@
         <p:spPr>
           <a:xfrm>
             <a:off x="1386675" y="3229118"/>
-            <a:ext cx="6370655" cy="707886"/>
+            <a:ext cx="6370654" cy="1323439"/>
           </a:xfrm>
           <a:prstGeom prst="rect">
             <a:avLst/>
@@ -4784,6 +4784,26 @@
             <a:spAutoFit/>
           </a:bodyPr>
           <a:lstStyle/>
+          <a:p>
+            <a:pPr algn="ctr"/>
+            <a:r>
+              <a:rPr lang="ko-KR" altLang="en-US" sz="4000" b="1" dirty="0">
+                <a:solidFill>
+                  <a:srgbClr val="1697C3"/>
+                </a:solidFill>
+                <a:latin typeface="다음_Regular" panose="02000603060000000000" pitchFamily="2" charset="-127"/>
+                <a:ea typeface="다음_Regular" panose="02000603060000000000" pitchFamily="2" charset="-127"/>
+              </a:rPr>
+              <a:t>실시간 교통량을 이용한</a:t>
+            </a:r>
+            <a:endParaRPr lang="en-US" altLang="ko-KR" sz="4000" b="1" dirty="0">
+              <a:solidFill>
+                <a:srgbClr val="1697C3"/>
+              </a:solidFill>
+              <a:latin typeface="다음_Regular" panose="02000603060000000000" pitchFamily="2" charset="-127"/>
+              <a:ea typeface="다음_Regular" panose="02000603060000000000" pitchFamily="2" charset="-127"/>
+            </a:endParaRPr>
+          </a:p>
           <a:p>
             <a:pPr algn="ctr"/>
             <a:r>
@@ -10244,7 +10264,7 @@
         <p:spPr>
           <a:xfrm>
             <a:off x="683568" y="4492163"/>
-            <a:ext cx="7776864" cy="674993"/>
+            <a:ext cx="7776864" cy="954107"/>
           </a:xfrm>
           <a:prstGeom prst="rect">
             <a:avLst/>
@@ -10257,20 +10277,36 @@
           </a:bodyPr>
           <a:lstStyle/>
           <a:p>
-            <a:pPr marL="514350" indent="-514350" algn="ctr">
-              <a:lnSpc>
-                <a:spcPct val="150000"/>
-              </a:lnSpc>
-            </a:pPr>
+            <a:pPr algn="ctr"/>
             <a:r>
-              <a:rPr lang="ko-KR" altLang="en-US" sz="2800" dirty="0">
+              <a:rPr lang="ko-KR" altLang="en-US" sz="2800" b="1" dirty="0">
                 <a:solidFill>
-                  <a:schemeClr val="bg1"/>
+                  <a:srgbClr val="1697C3"/>
                 </a:solidFill>
-                <a:latin typeface="KoPub돋움체 Bold" panose="02020603020101020101" pitchFamily="18" charset="-127"/>
-                <a:ea typeface="KoPub돋움체 Bold" panose="02020603020101020101" pitchFamily="18" charset="-127"/>
+                <a:latin typeface="다음_Regular" panose="02000603060000000000" pitchFamily="2" charset="-127"/>
+                <a:ea typeface="다음_Regular" panose="02000603060000000000" pitchFamily="2" charset="-127"/>
               </a:rPr>
-              <a:t>여행지들의 최적의 경로 찾아 주기</a:t>
+              <a:t>실시간 교통량을 이용한</a:t>
+            </a:r>
+            <a:endParaRPr lang="en-US" altLang="ko-KR" sz="2800" b="1" dirty="0">
+              <a:solidFill>
+                <a:srgbClr val="1697C3"/>
+              </a:solidFill>
+              <a:latin typeface="다음_Regular" panose="02000603060000000000" pitchFamily="2" charset="-127"/>
+              <a:ea typeface="다음_Regular" panose="02000603060000000000" pitchFamily="2" charset="-127"/>
+            </a:endParaRPr>
+          </a:p>
+          <a:p>
+            <a:pPr algn="ctr"/>
+            <a:r>
+              <a:rPr lang="ko-KR" altLang="en-US" sz="2800" b="1" dirty="0">
+                <a:solidFill>
+                  <a:srgbClr val="1697C3"/>
+                </a:solidFill>
+                <a:latin typeface="다음_Regular" panose="02000603060000000000" pitchFamily="2" charset="-127"/>
+                <a:ea typeface="다음_Regular" panose="02000603060000000000" pitchFamily="2" charset="-127"/>
+              </a:rPr>
+              <a:t>여행지 최적의 경로 찾아 주기</a:t>
             </a:r>
             <a:endParaRPr lang="en-US" altLang="ko-KR" sz="2800" dirty="0">
               <a:solidFill>
